--- a/Presentation Template.pptx
+++ b/Presentation Template.pptx
@@ -8,18 +8,24 @@
     <p:sldMasterId id="2147484193" r:id="rId9"/>
   </p:sldMasterIdLst>
   <p:notesMasterIdLst>
-    <p:notesMasterId r:id="rId16"/>
+    <p:notesMasterId r:id="rId22"/>
   </p:notesMasterIdLst>
   <p:handoutMasterIdLst>
-    <p:handoutMasterId r:id="rId17"/>
+    <p:handoutMasterId r:id="rId23"/>
   </p:handoutMasterIdLst>
   <p:sldIdLst>
     <p:sldId id="536" r:id="rId10"/>
     <p:sldId id="257" r:id="rId11"/>
-    <p:sldId id="537" r:id="rId12"/>
-    <p:sldId id="538" r:id="rId13"/>
-    <p:sldId id="540" r:id="rId14"/>
-    <p:sldId id="539" r:id="rId15"/>
+    <p:sldId id="541" r:id="rId12"/>
+    <p:sldId id="542" r:id="rId13"/>
+    <p:sldId id="543" r:id="rId14"/>
+    <p:sldId id="545" r:id="rId15"/>
+    <p:sldId id="544" r:id="rId16"/>
+    <p:sldId id="537" r:id="rId17"/>
+    <p:sldId id="538" r:id="rId18"/>
+    <p:sldId id="540" r:id="rId19"/>
+    <p:sldId id="539" r:id="rId20"/>
+    <p:sldId id="546" r:id="rId21"/>
   </p:sldIdLst>
   <p:sldSz cx="12188825" cy="6858000"/>
   <p:notesSz cx="6858000" cy="9144000"/>
@@ -321,7 +327,7 @@
                 <a:ea typeface="Segoe UI" pitchFamily="34" charset="0"/>
                 <a:cs typeface="Segoe UI" pitchFamily="34" charset="0"/>
               </a:rPr>
-              <a:t>11/17/2016</a:t>
+              <a:t>11/20/2016</a:t>
             </a:fld>
             <a:endParaRPr lang="en-US">
               <a:latin typeface="Segoe UI" pitchFamily="34" charset="0"/>
@@ -669,7 +675,7 @@
             <a:fld id="{D51B1278-D92B-4AF3-A9C1-71DD298190CE}" type="datetimeFigureOut">
               <a:rPr lang="en-US" smtClean="0"/>
               <a:pPr/>
-              <a:t>11/17/2016</a:t>
+              <a:t>11/20/2016</a:t>
             </a:fld>
             <a:endParaRPr lang="en-US"/>
           </a:p>
@@ -1088,7 +1094,7 @@
                 </a:solidFill>
               </a:rPr>
               <a:pPr/>
-              <a:t>11/17/2016</a:t>
+              <a:t>11/20/2016</a:t>
             </a:fld>
             <a:endParaRPr lang="en-US">
               <a:solidFill>
@@ -1121,6 +1127,233 @@
               </a:rPr>
               <a:pPr/>
               <a:t>6</a:t>
+            </a:fld>
+            <a:endParaRPr lang="en-US" dirty="0">
+              <a:solidFill>
+                <a:prstClr val="black"/>
+              </a:solidFill>
+            </a:endParaRPr>
+          </a:p>
+        </p:txBody>
+      </p:sp>
+    </p:spTree>
+    <p:extLst>
+      <p:ext uri="{BB962C8B-B14F-4D97-AF65-F5344CB8AC3E}">
+        <p14:creationId xmlns:p14="http://schemas.microsoft.com/office/powerpoint/2010/main" val="380389264"/>
+      </p:ext>
+    </p:extLst>
+  </p:cSld>
+  <p:clrMapOvr>
+    <a:masterClrMapping/>
+  </p:clrMapOvr>
+</p:notes>
+</file>
+
+<file path=ppt/notesSlides/notesSlide2.xml><?xml version="1.0" encoding="utf-8"?>
+<p:notes xmlns:a="http://schemas.openxmlformats.org/drawingml/2006/main" xmlns:r="http://schemas.openxmlformats.org/officeDocument/2006/relationships" xmlns:p="http://schemas.openxmlformats.org/presentationml/2006/main">
+  <p:cSld>
+    <p:spTree>
+      <p:nvGrpSpPr>
+        <p:cNvPr id="1" name=""/>
+        <p:cNvGrpSpPr/>
+        <p:nvPr/>
+      </p:nvGrpSpPr>
+      <p:grpSpPr>
+        <a:xfrm>
+          <a:off x="0" y="0"/>
+          <a:ext cx="0" cy="0"/>
+          <a:chOff x="0" y="0"/>
+          <a:chExt cx="0" cy="0"/>
+        </a:xfrm>
+      </p:grpSpPr>
+      <p:sp>
+        <p:nvSpPr>
+          <p:cNvPr id="2" name="Slide Image Placeholder 1"/>
+          <p:cNvSpPr>
+            <a:spLocks noGrp="1" noRot="1" noChangeAspect="1"/>
+          </p:cNvSpPr>
+          <p:nvPr>
+            <p:ph type="sldImg"/>
+          </p:nvPr>
+        </p:nvSpPr>
+        <p:spPr/>
+      </p:sp>
+      <p:sp>
+        <p:nvSpPr>
+          <p:cNvPr id="3" name="Notes Placeholder 2"/>
+          <p:cNvSpPr>
+            <a:spLocks noGrp="1"/>
+          </p:cNvSpPr>
+          <p:nvPr>
+            <p:ph type="body" idx="1"/>
+          </p:nvPr>
+        </p:nvSpPr>
+        <p:spPr/>
+        <p:txBody>
+          <a:bodyPr/>
+          <a:lstStyle/>
+          <a:p>
+            <a:pPr marL="0" indent="0">
+              <a:buFont typeface="Arial" panose="020B0604020202020204" pitchFamily="34" charset="0"/>
+              <a:buNone/>
+            </a:pPr>
+            <a:endParaRPr lang="en-US" sz="800" dirty="0"/>
+          </a:p>
+        </p:txBody>
+      </p:sp>
+      <p:sp>
+        <p:nvSpPr>
+          <p:cNvPr id="4" name="Header Placeholder 3"/>
+          <p:cNvSpPr>
+            <a:spLocks noGrp="1"/>
+          </p:cNvSpPr>
+          <p:nvPr>
+            <p:ph type="hdr" sz="quarter" idx="10"/>
+          </p:nvPr>
+        </p:nvSpPr>
+        <p:spPr/>
+        <p:txBody>
+          <a:bodyPr/>
+          <a:lstStyle/>
+          <a:p>
+            <a:r>
+              <a:rPr lang="en-US">
+                <a:solidFill>
+                  <a:prstClr val="black"/>
+                </a:solidFill>
+              </a:rPr>
+              <a:t>Visual Studio 11</a:t>
+            </a:r>
+            <a:endParaRPr lang="en-US" dirty="0">
+              <a:solidFill>
+                <a:prstClr val="black"/>
+              </a:solidFill>
+            </a:endParaRPr>
+          </a:p>
+        </p:txBody>
+      </p:sp>
+      <p:sp>
+        <p:nvSpPr>
+          <p:cNvPr id="5" name="Footer Placeholder 4"/>
+          <p:cNvSpPr>
+            <a:spLocks noGrp="1"/>
+          </p:cNvSpPr>
+          <p:nvPr>
+            <p:ph type="ftr" sz="quarter" idx="11"/>
+          </p:nvPr>
+        </p:nvSpPr>
+        <p:spPr/>
+        <p:txBody>
+          <a:bodyPr/>
+          <a:lstStyle/>
+          <a:p>
+            <a:pPr defTabSz="914099" eaLnBrk="0" hangingPunct="0"/>
+            <a:r>
+              <a:rPr lang="en-US" sz="400">
+                <a:gradFill>
+                  <a:gsLst>
+                    <a:gs pos="0">
+                      <a:prstClr val="black"/>
+                    </a:gs>
+                    <a:gs pos="100000">
+                      <a:prstClr val="black"/>
+                    </a:gs>
+                  </a:gsLst>
+                  <a:lin ang="5400000" scaled="0"/>
+                </a:gradFill>
+              </a:rPr>
+              <a:t>© 2012 Microsoft Corporation. All rights reserved. Microsoft, Windows, and other product names are or may be registered trademarks and/or trademarks in the U.S. and/or other countries.</a:t>
+            </a:r>
+          </a:p>
+          <a:p>
+            <a:pPr defTabSz="914099" eaLnBrk="0" hangingPunct="0"/>
+            <a:r>
+              <a:rPr lang="en-US" sz="400">
+                <a:gradFill>
+                  <a:gsLst>
+                    <a:gs pos="0">
+                      <a:prstClr val="black"/>
+                    </a:gs>
+                    <a:gs pos="100000">
+                      <a:prstClr val="black"/>
+                    </a:gs>
+                  </a:gsLst>
+                  <a:lin ang="5400000" scaled="0"/>
+                </a:gradFill>
+              </a:rPr>
+              <a:t>The information herein is for informational purposes only and represents the current view of Microsoft Corporation as of the date of this presentation.  Because Microsoft must respond to changing market conditions, it should not be interpreted to be a commitment on the part of Microsoft, and Microsoft cannot guarantee the accuracy of any information provided after the date of this presentation.  MICROSOFT MAKES NO WARRANTIES, EXPRESS, IMPLIED OR STATUTORY, AS TO THE INFORMATION IN THIS PRESENTATION.</a:t>
+            </a:r>
+            <a:endParaRPr lang="en-US" sz="400" dirty="0">
+              <a:gradFill>
+                <a:gsLst>
+                  <a:gs pos="0">
+                    <a:prstClr val="black"/>
+                  </a:gs>
+                  <a:gs pos="100000">
+                    <a:prstClr val="black"/>
+                  </a:gs>
+                </a:gsLst>
+                <a:lin ang="5400000" scaled="0"/>
+              </a:gradFill>
+            </a:endParaRPr>
+          </a:p>
+        </p:txBody>
+      </p:sp>
+      <p:sp>
+        <p:nvSpPr>
+          <p:cNvPr id="6" name="Date Placeholder 5"/>
+          <p:cNvSpPr>
+            <a:spLocks noGrp="1"/>
+          </p:cNvSpPr>
+          <p:nvPr>
+            <p:ph type="dt" idx="12"/>
+          </p:nvPr>
+        </p:nvSpPr>
+        <p:spPr/>
+        <p:txBody>
+          <a:bodyPr/>
+          <a:lstStyle/>
+          <a:p>
+            <a:fld id="{FEA05ED1-98DB-40F0-AEDE-6AA03D2693F1}" type="datetime1">
+              <a:rPr lang="en-US" smtClean="0">
+                <a:solidFill>
+                  <a:prstClr val="black"/>
+                </a:solidFill>
+              </a:rPr>
+              <a:pPr/>
+              <a:t>11/20/2016</a:t>
+            </a:fld>
+            <a:endParaRPr lang="en-US">
+              <a:solidFill>
+                <a:prstClr val="black"/>
+              </a:solidFill>
+            </a:endParaRPr>
+          </a:p>
+        </p:txBody>
+      </p:sp>
+      <p:sp>
+        <p:nvSpPr>
+          <p:cNvPr id="7" name="Slide Number Placeholder 6"/>
+          <p:cNvSpPr>
+            <a:spLocks noGrp="1"/>
+          </p:cNvSpPr>
+          <p:nvPr>
+            <p:ph type="sldNum" sz="quarter" idx="13"/>
+          </p:nvPr>
+        </p:nvSpPr>
+        <p:spPr/>
+        <p:txBody>
+          <a:bodyPr/>
+          <a:lstStyle/>
+          <a:p>
+            <a:fld id="{B4008EB6-D09E-4580-8CD6-DDB14511944F}" type="slidenum">
+              <a:rPr lang="en-US" smtClean="0">
+                <a:solidFill>
+                  <a:prstClr val="black"/>
+                </a:solidFill>
+              </a:rPr>
+              <a:pPr/>
+              <a:t>11</a:t>
             </a:fld>
             <a:endParaRPr lang="en-US" dirty="0">
               <a:solidFill>
@@ -1344,6 +1577,130 @@
 
 <file path=ppt/slideLayouts/slideLayout10.xml><?xml version="1.0" encoding="utf-8"?>
 <p:sldLayout xmlns:a="http://schemas.openxmlformats.org/drawingml/2006/main" xmlns:r="http://schemas.openxmlformats.org/officeDocument/2006/relationships" xmlns:p="http://schemas.openxmlformats.org/presentationml/2006/main" preserve="1" userDrawn="1">
+  <p:cSld name="Title and Content">
+    <p:spTree>
+      <p:nvGrpSpPr>
+        <p:cNvPr id="1" name=""/>
+        <p:cNvGrpSpPr/>
+        <p:nvPr/>
+      </p:nvGrpSpPr>
+      <p:grpSpPr>
+        <a:xfrm>
+          <a:off x="0" y="0"/>
+          <a:ext cx="0" cy="0"/>
+          <a:chOff x="0" y="0"/>
+          <a:chExt cx="0" cy="0"/>
+        </a:xfrm>
+      </p:grpSpPr>
+      <p:sp>
+        <p:nvSpPr>
+          <p:cNvPr id="4" name="Text Placeholder 3"/>
+          <p:cNvSpPr>
+            <a:spLocks noGrp="1"/>
+          </p:cNvSpPr>
+          <p:nvPr>
+            <p:ph type="body" sz="quarter" idx="10"/>
+          </p:nvPr>
+        </p:nvSpPr>
+        <p:spPr>
+          <a:xfrm>
+            <a:off x="269169" y="1189177"/>
+            <a:ext cx="11650488" cy="2184808"/>
+          </a:xfrm>
+        </p:spPr>
+        <p:txBody>
+          <a:bodyPr>
+            <a:spAutoFit/>
+          </a:bodyPr>
+          <a:lstStyle>
+            <a:lvl3pPr>
+              <a:defRPr sz="2352"/>
+            </a:lvl3pPr>
+            <a:lvl4pPr>
+              <a:defRPr sz="1960"/>
+            </a:lvl4pPr>
+            <a:lvl5pPr>
+              <a:defRPr sz="1960"/>
+            </a:lvl5pPr>
+          </a:lstStyle>
+          <a:p>
+            <a:pPr lvl="0"/>
+            <a:r>
+              <a:rPr lang="en-US"/>
+              <a:t>Click to edit Master text styles</a:t>
+            </a:r>
+          </a:p>
+          <a:p>
+            <a:pPr lvl="1"/>
+            <a:r>
+              <a:rPr lang="en-US"/>
+              <a:t>Second level</a:t>
+            </a:r>
+          </a:p>
+          <a:p>
+            <a:pPr lvl="2"/>
+            <a:r>
+              <a:rPr lang="en-US"/>
+              <a:t>Third level</a:t>
+            </a:r>
+          </a:p>
+          <a:p>
+            <a:pPr lvl="3"/>
+            <a:r>
+              <a:rPr lang="en-US"/>
+              <a:t>Fourth level</a:t>
+            </a:r>
+          </a:p>
+          <a:p>
+            <a:pPr lvl="4"/>
+            <a:r>
+              <a:rPr lang="en-US"/>
+              <a:t>Fifth level</a:t>
+            </a:r>
+            <a:endParaRPr lang="en-US" dirty="0"/>
+          </a:p>
+        </p:txBody>
+      </p:sp>
+      <p:sp>
+        <p:nvSpPr>
+          <p:cNvPr id="6" name="Title 5"/>
+          <p:cNvSpPr>
+            <a:spLocks noGrp="1"/>
+          </p:cNvSpPr>
+          <p:nvPr>
+            <p:ph type="title"/>
+          </p:nvPr>
+        </p:nvSpPr>
+        <p:spPr/>
+        <p:txBody>
+          <a:bodyPr/>
+          <a:lstStyle/>
+          <a:p>
+            <a:r>
+              <a:rPr lang="en-US"/>
+              <a:t>Click to edit Master title style</a:t>
+            </a:r>
+          </a:p>
+        </p:txBody>
+      </p:sp>
+    </p:spTree>
+    <p:extLst>
+      <p:ext uri="{BB962C8B-B14F-4D97-AF65-F5344CB8AC3E}">
+        <p14:creationId xmlns:p14="http://schemas.microsoft.com/office/powerpoint/2010/main" val="2300245667"/>
+      </p:ext>
+    </p:extLst>
+  </p:cSld>
+  <p:clrMapOvr>
+    <a:masterClrMapping/>
+  </p:clrMapOvr>
+  <p:transition>
+    <p:fade/>
+  </p:transition>
+</p:sldLayout>
+</file>
+
+<file path=ppt/slideLayouts/slideLayout11.xml><?xml version="1.0" encoding="utf-8"?>
+<p:sldLayout xmlns:a="http://schemas.openxmlformats.org/drawingml/2006/main" xmlns:r="http://schemas.openxmlformats.org/officeDocument/2006/relationships" xmlns:p="http://schemas.openxmlformats.org/presentationml/2006/main" preserve="1" userDrawn="1">
   <p:cSld name="Title and Content - 2">
     <p:spTree>
       <p:nvGrpSpPr>
@@ -1542,7 +1899,7 @@
 </p:sldLayout>
 </file>
 
-<file path=ppt/slideLayouts/slideLayout11.xml><?xml version="1.0" encoding="utf-8"?>
+<file path=ppt/slideLayouts/slideLayout12.xml><?xml version="1.0" encoding="utf-8"?>
 <p:sldLayout xmlns:a="http://schemas.openxmlformats.org/drawingml/2006/main" xmlns:r="http://schemas.openxmlformats.org/officeDocument/2006/relationships" xmlns:p="http://schemas.openxmlformats.org/presentationml/2006/main" preserve="1" userDrawn="1">
   <p:cSld name="Text Only Large">
     <p:spTree>
@@ -1607,7 +1964,7 @@
 </p:sldLayout>
 </file>
 
-<file path=ppt/slideLayouts/slideLayout12.xml><?xml version="1.0" encoding="utf-8"?>
+<file path=ppt/slideLayouts/slideLayout13.xml><?xml version="1.0" encoding="utf-8"?>
 <p:sldLayout xmlns:a="http://schemas.openxmlformats.org/drawingml/2006/main" xmlns:r="http://schemas.openxmlformats.org/officeDocument/2006/relationships" xmlns:p="http://schemas.openxmlformats.org/presentationml/2006/main" preserve="1" userDrawn="1">
   <p:cSld name="Custom Layout">
     <p:spTree>
@@ -1745,7 +2102,7 @@
 </p:sldLayout>
 </file>
 
-<file path=ppt/slideLayouts/slideLayout13.xml><?xml version="1.0" encoding="utf-8"?>
+<file path=ppt/slideLayouts/slideLayout14.xml><?xml version="1.0" encoding="utf-8"?>
 <p:sldLayout xmlns:a="http://schemas.openxmlformats.org/drawingml/2006/main" xmlns:r="http://schemas.openxmlformats.org/officeDocument/2006/relationships" xmlns:p="http://schemas.openxmlformats.org/presentationml/2006/main" preserve="1" userDrawn="1">
   <p:cSld name="Color Shape &amp; Color Background">
     <p:spTree>
@@ -2157,7 +2514,7 @@
 </p:sldLayout>
 </file>
 
-<file path=ppt/slideLayouts/slideLayout14.xml><?xml version="1.0" encoding="utf-8"?>
+<file path=ppt/slideLayouts/slideLayout15.xml><?xml version="1.0" encoding="utf-8"?>
 <p:sldLayout xmlns:a="http://schemas.openxmlformats.org/drawingml/2006/main" xmlns:r="http://schemas.openxmlformats.org/officeDocument/2006/relationships" xmlns:p="http://schemas.openxmlformats.org/presentationml/2006/main" preserve="1" userDrawn="1">
   <p:cSld name="Color Shape &amp; Color Background w/ Title">
     <p:spTree>
@@ -2575,7 +2932,7 @@
 </p:sldLayout>
 </file>
 
-<file path=ppt/slideLayouts/slideLayout15.xml><?xml version="1.0" encoding="utf-8"?>
+<file path=ppt/slideLayouts/slideLayout16.xml><?xml version="1.0" encoding="utf-8"?>
 <p:sldLayout xmlns:a="http://schemas.openxmlformats.org/drawingml/2006/main" xmlns:r="http://schemas.openxmlformats.org/officeDocument/2006/relationships" xmlns:p="http://schemas.openxmlformats.org/presentationml/2006/main" preserve="1" userDrawn="1">
   <p:cSld name="Picture Shape &amp; Color Background w/ Title">
     <p:spTree>
@@ -3005,7 +3362,7 @@
 </p:sldLayout>
 </file>
 
-<file path=ppt/slideLayouts/slideLayout16.xml><?xml version="1.0" encoding="utf-8"?>
+<file path=ppt/slideLayouts/slideLayout17.xml><?xml version="1.0" encoding="utf-8"?>
 <p:sldLayout xmlns:a="http://schemas.openxmlformats.org/drawingml/2006/main" xmlns:r="http://schemas.openxmlformats.org/officeDocument/2006/relationships" xmlns:p="http://schemas.openxmlformats.org/presentationml/2006/main" preserve="1" userDrawn="1">
   <p:cSld name="Title and Content - Code">
     <p:spTree>
@@ -3192,7 +3549,7 @@
 </p:sldLayout>
 </file>
 
-<file path=ppt/slideLayouts/slideLayout17.xml><?xml version="1.0" encoding="utf-8"?>
+<file path=ppt/slideLayouts/slideLayout18.xml><?xml version="1.0" encoding="utf-8"?>
 <p:sldLayout xmlns:a="http://schemas.openxmlformats.org/drawingml/2006/main" xmlns:r="http://schemas.openxmlformats.org/officeDocument/2006/relationships" xmlns:p="http://schemas.openxmlformats.org/presentationml/2006/main" preserve="1" userDrawn="1">
   <p:cSld name="Blank">
     <p:bg bwMode="gray">
@@ -3233,7 +3590,7 @@
 </p:sldLayout>
 </file>
 
-<file path=ppt/slideLayouts/slideLayout18.xml><?xml version="1.0" encoding="utf-8"?>
+<file path=ppt/slideLayouts/slideLayout19.xml><?xml version="1.0" encoding="utf-8"?>
 <p:sldLayout xmlns:a="http://schemas.openxmlformats.org/drawingml/2006/main" xmlns:r="http://schemas.openxmlformats.org/officeDocument/2006/relationships" xmlns:p="http://schemas.openxmlformats.org/presentationml/2006/main" preserve="1" userDrawn="1">
   <p:cSld name="Walk-in">
     <p:bg>
@@ -3308,7 +3665,62 @@
 </p:sldLayout>
 </file>
 
-<file path=ppt/slideLayouts/slideLayout19.xml><?xml version="1.0" encoding="utf-8"?>
+<file path=ppt/slideLayouts/slideLayout2.xml><?xml version="1.0" encoding="utf-8"?>
+<p:sldLayout xmlns:a="http://schemas.openxmlformats.org/drawingml/2006/main" xmlns:r="http://schemas.openxmlformats.org/officeDocument/2006/relationships" xmlns:p="http://schemas.openxmlformats.org/presentationml/2006/main" type="titleOnly" preserve="1">
+  <p:cSld name="Title Only">
+    <p:spTree>
+      <p:nvGrpSpPr>
+        <p:cNvPr id="1" name=""/>
+        <p:cNvGrpSpPr/>
+        <p:nvPr/>
+      </p:nvGrpSpPr>
+      <p:grpSpPr>
+        <a:xfrm>
+          <a:off x="0" y="0"/>
+          <a:ext cx="0" cy="0"/>
+          <a:chOff x="0" y="0"/>
+          <a:chExt cx="0" cy="0"/>
+        </a:xfrm>
+      </p:grpSpPr>
+      <p:sp>
+        <p:nvSpPr>
+          <p:cNvPr id="2" name="Title 1"/>
+          <p:cNvSpPr>
+            <a:spLocks noGrp="1"/>
+          </p:cNvSpPr>
+          <p:nvPr>
+            <p:ph type="title"/>
+          </p:nvPr>
+        </p:nvSpPr>
+        <p:spPr/>
+        <p:txBody>
+          <a:bodyPr/>
+          <a:lstStyle/>
+          <a:p>
+            <a:r>
+              <a:rPr lang="en-US" dirty="0"/>
+              <a:t>Click to edit Master title style</a:t>
+            </a:r>
+          </a:p>
+        </p:txBody>
+      </p:sp>
+    </p:spTree>
+    <p:extLst>
+      <p:ext uri="{BB962C8B-B14F-4D97-AF65-F5344CB8AC3E}">
+        <p14:creationId xmlns:p14="http://schemas.microsoft.com/office/powerpoint/2010/main" val="3725544103"/>
+      </p:ext>
+    </p:extLst>
+  </p:cSld>
+  <p:clrMapOvr>
+    <a:masterClrMapping/>
+  </p:clrMapOvr>
+  <p:transition>
+    <p:fade/>
+  </p:transition>
+</p:sldLayout>
+</file>
+
+<file path=ppt/slideLayouts/slideLayout20.xml><?xml version="1.0" encoding="utf-8"?>
 <p:sldLayout xmlns:a="http://schemas.openxmlformats.org/drawingml/2006/main" xmlns:r="http://schemas.openxmlformats.org/officeDocument/2006/relationships" xmlns:p="http://schemas.openxmlformats.org/presentationml/2006/main" preserve="1" userDrawn="1">
   <p:cSld name="Closing logo slide">
     <p:spTree>
@@ -3426,62 +3838,7 @@
 </p:sldLayout>
 </file>
 
-<file path=ppt/slideLayouts/slideLayout2.xml><?xml version="1.0" encoding="utf-8"?>
-<p:sldLayout xmlns:a="http://schemas.openxmlformats.org/drawingml/2006/main" xmlns:r="http://schemas.openxmlformats.org/officeDocument/2006/relationships" xmlns:p="http://schemas.openxmlformats.org/presentationml/2006/main" type="titleOnly" preserve="1">
-  <p:cSld name="Title Only">
-    <p:spTree>
-      <p:nvGrpSpPr>
-        <p:cNvPr id="1" name=""/>
-        <p:cNvGrpSpPr/>
-        <p:nvPr/>
-      </p:nvGrpSpPr>
-      <p:grpSpPr>
-        <a:xfrm>
-          <a:off x="0" y="0"/>
-          <a:ext cx="0" cy="0"/>
-          <a:chOff x="0" y="0"/>
-          <a:chExt cx="0" cy="0"/>
-        </a:xfrm>
-      </p:grpSpPr>
-      <p:sp>
-        <p:nvSpPr>
-          <p:cNvPr id="2" name="Title 1"/>
-          <p:cNvSpPr>
-            <a:spLocks noGrp="1"/>
-          </p:cNvSpPr>
-          <p:nvPr>
-            <p:ph type="title"/>
-          </p:nvPr>
-        </p:nvSpPr>
-        <p:spPr/>
-        <p:txBody>
-          <a:bodyPr/>
-          <a:lstStyle/>
-          <a:p>
-            <a:r>
-              <a:rPr lang="en-US" dirty="0"/>
-              <a:t>Click to edit Master title style</a:t>
-            </a:r>
-          </a:p>
-        </p:txBody>
-      </p:sp>
-    </p:spTree>
-    <p:extLst>
-      <p:ext uri="{BB962C8B-B14F-4D97-AF65-F5344CB8AC3E}">
-        <p14:creationId xmlns:p14="http://schemas.microsoft.com/office/powerpoint/2010/main" val="3725544103"/>
-      </p:ext>
-    </p:extLst>
-  </p:cSld>
-  <p:clrMapOvr>
-    <a:masterClrMapping/>
-  </p:clrMapOvr>
-  <p:transition>
-    <p:fade/>
-  </p:transition>
-</p:sldLayout>
-</file>
-
-<file path=ppt/slideLayouts/slideLayout20.xml><?xml version="1.0" encoding="utf-8"?>
+<file path=ppt/slideLayouts/slideLayout21.xml><?xml version="1.0" encoding="utf-8"?>
 <p:sldLayout xmlns:a="http://schemas.openxmlformats.org/drawingml/2006/main" xmlns:r="http://schemas.openxmlformats.org/officeDocument/2006/relationships" xmlns:p="http://schemas.openxmlformats.org/presentationml/2006/main" preserve="1" userDrawn="1">
   <p:cSld name="Multiple Shapes &amp; Color Background">
     <p:spTree>
@@ -5322,7 +5679,7 @@
 </p:sldLayout>
 </file>
 
-<file path=ppt/slideLayouts/slideLayout21.xml><?xml version="1.0" encoding="utf-8"?>
+<file path=ppt/slideLayouts/slideLayout22.xml><?xml version="1.0" encoding="utf-8"?>
 <p:sldLayout xmlns:a="http://schemas.openxmlformats.org/drawingml/2006/main" xmlns:r="http://schemas.openxmlformats.org/officeDocument/2006/relationships" xmlns:p="http://schemas.openxmlformats.org/presentationml/2006/main" preserve="1" userDrawn="1">
   <p:cSld name="Black Notes slide Layout">
     <p:bg bwMode="black">
@@ -5643,7 +6000,7 @@
 </p:sldLayout>
 </file>
 
-<file path=ppt/slideLayouts/slideLayout22.xml><?xml version="1.0" encoding="utf-8"?>
+<file path=ppt/slideLayouts/slideLayout23.xml><?xml version="1.0" encoding="utf-8"?>
 <p:sldLayout xmlns:a="http://schemas.openxmlformats.org/drawingml/2006/main" xmlns:r="http://schemas.openxmlformats.org/officeDocument/2006/relationships" xmlns:p="http://schemas.openxmlformats.org/presentationml/2006/main" preserve="1" userDrawn="1">
   <p:cSld name="Black Notes slide Layout No Bar">
     <p:bg bwMode="black">
@@ -5906,7 +6263,7 @@
 </p:sldLayout>
 </file>
 
-<file path=ppt/slideLayouts/slideLayout23.xml><?xml version="1.0" encoding="utf-8"?>
+<file path=ppt/slideLayouts/slideLayout24.xml><?xml version="1.0" encoding="utf-8"?>
 <p:sldLayout xmlns:a="http://schemas.openxmlformats.org/drawingml/2006/main" xmlns:r="http://schemas.openxmlformats.org/officeDocument/2006/relationships" xmlns:p="http://schemas.openxmlformats.org/presentationml/2006/main" preserve="1" userDrawn="1">
   <p:cSld name="Title Slide">
     <p:spTree>
@@ -6106,7 +6463,7 @@
 </p:sldLayout>
 </file>
 
-<file path=ppt/slideLayouts/slideLayout24.xml><?xml version="1.0" encoding="utf-8"?>
+<file path=ppt/slideLayouts/slideLayout25.xml><?xml version="1.0" encoding="utf-8"?>
 <p:sldLayout xmlns:a="http://schemas.openxmlformats.org/drawingml/2006/main" xmlns:r="http://schemas.openxmlformats.org/officeDocument/2006/relationships" xmlns:p="http://schemas.openxmlformats.org/presentationml/2006/main" preserve="1" userDrawn="1">
   <p:cSld name="Title slide - 2">
     <p:spTree>
@@ -7331,7 +7688,7 @@
 </p:sldLayout>
 </file>
 
-<file path=ppt/slideLayouts/slideLayout25.xml><?xml version="1.0" encoding="utf-8"?>
+<file path=ppt/slideLayouts/slideLayout26.xml><?xml version="1.0" encoding="utf-8"?>
 <p:sldLayout xmlns:a="http://schemas.openxmlformats.org/drawingml/2006/main" xmlns:r="http://schemas.openxmlformats.org/officeDocument/2006/relationships" xmlns:p="http://schemas.openxmlformats.org/presentationml/2006/main" preserve="1" userDrawn="1">
   <p:cSld name="Title and Content">
     <p:spTree>
@@ -7455,7 +7812,7 @@
 </p:sldLayout>
 </file>
 
-<file path=ppt/slideLayouts/slideLayout26.xml><?xml version="1.0" encoding="utf-8"?>
+<file path=ppt/slideLayouts/slideLayout27.xml><?xml version="1.0" encoding="utf-8"?>
 <p:sldLayout xmlns:a="http://schemas.openxmlformats.org/drawingml/2006/main" xmlns:r="http://schemas.openxmlformats.org/officeDocument/2006/relationships" xmlns:p="http://schemas.openxmlformats.org/presentationml/2006/main" preserve="1" userDrawn="1">
   <p:cSld name="Title and Content - 2">
     <p:spTree>
@@ -7655,7 +8012,7 @@
 </p:sldLayout>
 </file>
 
-<file path=ppt/slideLayouts/slideLayout27.xml><?xml version="1.0" encoding="utf-8"?>
+<file path=ppt/slideLayouts/slideLayout28.xml><?xml version="1.0" encoding="utf-8"?>
 <p:sldLayout xmlns:a="http://schemas.openxmlformats.org/drawingml/2006/main" xmlns:r="http://schemas.openxmlformats.org/officeDocument/2006/relationships" xmlns:p="http://schemas.openxmlformats.org/presentationml/2006/main" preserve="1" userDrawn="1">
   <p:cSld name="Text Only Large">
     <p:spTree>
@@ -7720,7 +8077,7 @@
 </p:sldLayout>
 </file>
 
-<file path=ppt/slideLayouts/slideLayout28.xml><?xml version="1.0" encoding="utf-8"?>
+<file path=ppt/slideLayouts/slideLayout29.xml><?xml version="1.0" encoding="utf-8"?>
 <p:sldLayout xmlns:a="http://schemas.openxmlformats.org/drawingml/2006/main" xmlns:r="http://schemas.openxmlformats.org/officeDocument/2006/relationships" xmlns:p="http://schemas.openxmlformats.org/presentationml/2006/main" preserve="1" userDrawn="1">
   <p:cSld name="Custom Layout">
     <p:spTree>
@@ -7858,7 +8215,242 @@
 </p:sldLayout>
 </file>
 
-<file path=ppt/slideLayouts/slideLayout29.xml><?xml version="1.0" encoding="utf-8"?>
+<file path=ppt/slideLayouts/slideLayout3.xml><?xml version="1.0" encoding="utf-8"?>
+<p:sldLayout xmlns:a="http://schemas.openxmlformats.org/drawingml/2006/main" xmlns:r="http://schemas.openxmlformats.org/officeDocument/2006/relationships" xmlns:p="http://schemas.openxmlformats.org/presentationml/2006/main" userDrawn="1">
+  <p:cSld name="Title 2">
+    <p:spTree>
+      <p:nvGrpSpPr>
+        <p:cNvPr id="1" name=""/>
+        <p:cNvGrpSpPr/>
+        <p:nvPr/>
+      </p:nvGrpSpPr>
+      <p:grpSpPr>
+        <a:xfrm>
+          <a:off x="0" y="0"/>
+          <a:ext cx="0" cy="0"/>
+          <a:chOff x="0" y="0"/>
+          <a:chExt cx="0" cy="0"/>
+        </a:xfrm>
+      </p:grpSpPr>
+      <p:pic>
+        <p:nvPicPr>
+          <p:cNvPr id="7" name="Picture 6"/>
+          <p:cNvPicPr>
+            <a:picLocks noChangeAspect="1"/>
+          </p:cNvPicPr>
+          <p:nvPr userDrawn="1"/>
+        </p:nvPicPr>
+        <p:blipFill>
+          <a:blip r:embed="rId2">
+            <a:extLst>
+              <a:ext uri="{28A0092B-C50C-407E-A947-70E740481C1C}">
+                <a14:useLocalDpi xmlns:a14="http://schemas.microsoft.com/office/drawing/2010/main" val="0"/>
+              </a:ext>
+            </a:extLst>
+          </a:blip>
+          <a:stretch>
+            <a:fillRect/>
+          </a:stretch>
+        </p:blipFill>
+        <p:spPr>
+          <a:xfrm>
+            <a:off x="0" y="1171"/>
+            <a:ext cx="12188826" cy="6992181"/>
+          </a:xfrm>
+          <a:prstGeom prst="rect">
+            <a:avLst/>
+          </a:prstGeom>
+        </p:spPr>
+      </p:pic>
+      <p:sp>
+        <p:nvSpPr>
+          <p:cNvPr id="10" name="Rectangle 9"/>
+          <p:cNvSpPr/>
+          <p:nvPr userDrawn="1"/>
+        </p:nvSpPr>
+        <p:spPr bwMode="gray">
+          <a:xfrm>
+            <a:off x="274702" y="2125677"/>
+            <a:ext cx="7315200" cy="3657586"/>
+          </a:xfrm>
+          <a:prstGeom prst="rect">
+            <a:avLst/>
+          </a:prstGeom>
+          <a:solidFill>
+            <a:srgbClr val="68217A">
+              <a:alpha val="80000"/>
+            </a:srgbClr>
+          </a:solidFill>
+          <a:ln w="9525" cap="flat" cmpd="sng" algn="ctr">
+            <a:noFill/>
+            <a:prstDash val="solid"/>
+            <a:headEnd type="none" w="med" len="med"/>
+            <a:tailEnd type="none" w="med" len="med"/>
+          </a:ln>
+          <a:effectLst/>
+        </p:spPr>
+        <p:txBody>
+          <a:bodyPr rot="0" spcFirstLastPara="0" vertOverflow="overflow" horzOverflow="overflow" vert="horz" wrap="square" lIns="182880" tIns="146304" rIns="182880" bIns="146304" numCol="1" spcCol="0" rtlCol="0" fromWordArt="0" anchor="t" anchorCtr="0" forceAA="0" compatLnSpc="1">
+            <a:prstTxWarp prst="textNoShape">
+              <a:avLst/>
+            </a:prstTxWarp>
+            <a:noAutofit/>
+          </a:bodyPr>
+          <a:lstStyle/>
+          <a:p>
+            <a:pPr marL="0" marR="0" lvl="0" indent="0" algn="ctr" defTabSz="932472" eaLnBrk="1" fontAlgn="base" latinLnBrk="0" hangingPunct="1">
+              <a:lnSpc>
+                <a:spcPct val="90000"/>
+              </a:lnSpc>
+              <a:spcBef>
+                <a:spcPct val="0"/>
+              </a:spcBef>
+              <a:spcAft>
+                <a:spcPct val="0"/>
+              </a:spcAft>
+              <a:buClrTx/>
+              <a:buSzTx/>
+              <a:buFontTx/>
+              <a:buNone/>
+              <a:tabLst/>
+              <a:defRPr/>
+            </a:pPr>
+            <a:endParaRPr kumimoji="0" lang="en-US" sz="2400" b="0" i="0" u="none" strike="noStrike" kern="0" cap="none" spc="0" normalizeH="0" baseline="0" noProof="0" dirty="0" err="1">
+              <a:ln>
+                <a:noFill/>
+              </a:ln>
+              <a:gradFill>
+                <a:gsLst>
+                  <a:gs pos="0">
+                    <a:srgbClr val="FFFFFF"/>
+                  </a:gs>
+                  <a:gs pos="100000">
+                    <a:srgbClr val="FFFFFF"/>
+                  </a:gs>
+                </a:gsLst>
+                <a:lin ang="5400000" scaled="0"/>
+              </a:gradFill>
+              <a:effectLst/>
+              <a:uLnTx/>
+              <a:uFillTx/>
+              <a:latin typeface="Segoe UI"/>
+              <a:ea typeface="Segoe UI" pitchFamily="34" charset="0"/>
+              <a:cs typeface="Segoe UI" pitchFamily="34" charset="0"/>
+            </a:endParaRPr>
+          </a:p>
+        </p:txBody>
+      </p:sp>
+      <p:sp>
+        <p:nvSpPr>
+          <p:cNvPr id="25" name="Text Placeholder 4"/>
+          <p:cNvSpPr>
+            <a:spLocks noGrp="1"/>
+          </p:cNvSpPr>
+          <p:nvPr>
+            <p:ph type="body" sz="quarter" idx="13" hasCustomPrompt="1"/>
+          </p:nvPr>
+        </p:nvSpPr>
+        <p:spPr>
+          <a:xfrm>
+            <a:off x="469400" y="4476022"/>
+            <a:ext cx="6892100" cy="332399"/>
+          </a:xfrm>
+        </p:spPr>
+        <p:txBody>
+          <a:bodyPr>
+            <a:spAutoFit/>
+          </a:bodyPr>
+          <a:lstStyle>
+            <a:lvl1pPr marL="0" indent="0">
+              <a:spcBef>
+                <a:spcPts val="0"/>
+              </a:spcBef>
+              <a:buNone/>
+              <a:defRPr sz="2400" spc="-70" baseline="0">
+                <a:solidFill>
+                  <a:schemeClr val="bg1"/>
+                </a:solidFill>
+                <a:latin typeface="+mj-lt"/>
+              </a:defRPr>
+            </a:lvl1pPr>
+          </a:lstStyle>
+          <a:p>
+            <a:pPr lvl="0"/>
+            <a:r>
+              <a:rPr lang="en-US" dirty="0"/>
+              <a:t>Speaker Title</a:t>
+            </a:r>
+          </a:p>
+        </p:txBody>
+      </p:sp>
+      <p:sp>
+        <p:nvSpPr>
+          <p:cNvPr id="28" name="Title 1"/>
+          <p:cNvSpPr>
+            <a:spLocks noGrp="1"/>
+          </p:cNvSpPr>
+          <p:nvPr>
+            <p:ph type="title" hasCustomPrompt="1"/>
+          </p:nvPr>
+        </p:nvSpPr>
+        <p:spPr>
+          <a:xfrm>
+            <a:off x="469401" y="3083907"/>
+            <a:ext cx="6892100" cy="1163395"/>
+          </a:xfrm>
+        </p:spPr>
+        <p:txBody>
+          <a:bodyPr/>
+          <a:lstStyle>
+            <a:lvl1pPr>
+              <a:defRPr sz="4200">
+                <a:solidFill>
+                  <a:schemeClr val="bg1"/>
+                </a:solidFill>
+              </a:defRPr>
+            </a:lvl1pPr>
+          </a:lstStyle>
+          <a:p>
+            <a:r>
+              <a:rPr lang="en-US" dirty="0"/>
+              <a:t>Line 1</a:t>
+            </a:r>
+            <a:br>
+              <a:rPr lang="en-US" dirty="0"/>
+            </a:br>
+            <a:r>
+              <a:rPr lang="en-US" dirty="0"/>
+              <a:t>Line 2</a:t>
+            </a:r>
+          </a:p>
+        </p:txBody>
+      </p:sp>
+    </p:spTree>
+    <p:extLst>
+      <p:ext uri="{BB962C8B-B14F-4D97-AF65-F5344CB8AC3E}">
+        <p14:creationId xmlns:p14="http://schemas.microsoft.com/office/powerpoint/2010/main" val="2917634325"/>
+      </p:ext>
+    </p:extLst>
+  </p:cSld>
+  <p:clrMapOvr>
+    <a:masterClrMapping/>
+  </p:clrMapOvr>
+  <mc:AlternateContent xmlns:mc="http://schemas.openxmlformats.org/markup-compatibility/2006" xmlns:p14="http://schemas.microsoft.com/office/powerpoint/2010/main">
+    <mc:Choice Requires="p14">
+      <p:transition spd="slow" p14:dur="3400">
+        <p14:reveal/>
+      </p:transition>
+    </mc:Choice>
+    <mc:Fallback xmlns="">
+      <p:transition spd="slow">
+        <p:fade/>
+      </p:transition>
+    </mc:Fallback>
+  </mc:AlternateContent>
+</p:sldLayout>
+</file>
+
+<file path=ppt/slideLayouts/slideLayout30.xml><?xml version="1.0" encoding="utf-8"?>
 <p:sldLayout xmlns:a="http://schemas.openxmlformats.org/drawingml/2006/main" xmlns:r="http://schemas.openxmlformats.org/officeDocument/2006/relationships" xmlns:p="http://schemas.openxmlformats.org/presentationml/2006/main" preserve="1" userDrawn="1">
   <p:cSld name="Color Shape &amp; Color Background">
     <p:spTree>
@@ -8270,242 +8862,7 @@
 </p:sldLayout>
 </file>
 
-<file path=ppt/slideLayouts/slideLayout3.xml><?xml version="1.0" encoding="utf-8"?>
-<p:sldLayout xmlns:a="http://schemas.openxmlformats.org/drawingml/2006/main" xmlns:r="http://schemas.openxmlformats.org/officeDocument/2006/relationships" xmlns:p="http://schemas.openxmlformats.org/presentationml/2006/main" userDrawn="1">
-  <p:cSld name="Title 2">
-    <p:spTree>
-      <p:nvGrpSpPr>
-        <p:cNvPr id="1" name=""/>
-        <p:cNvGrpSpPr/>
-        <p:nvPr/>
-      </p:nvGrpSpPr>
-      <p:grpSpPr>
-        <a:xfrm>
-          <a:off x="0" y="0"/>
-          <a:ext cx="0" cy="0"/>
-          <a:chOff x="0" y="0"/>
-          <a:chExt cx="0" cy="0"/>
-        </a:xfrm>
-      </p:grpSpPr>
-      <p:pic>
-        <p:nvPicPr>
-          <p:cNvPr id="7" name="Picture 6"/>
-          <p:cNvPicPr>
-            <a:picLocks noChangeAspect="1"/>
-          </p:cNvPicPr>
-          <p:nvPr userDrawn="1"/>
-        </p:nvPicPr>
-        <p:blipFill>
-          <a:blip r:embed="rId2">
-            <a:extLst>
-              <a:ext uri="{28A0092B-C50C-407E-A947-70E740481C1C}">
-                <a14:useLocalDpi xmlns:a14="http://schemas.microsoft.com/office/drawing/2010/main" val="0"/>
-              </a:ext>
-            </a:extLst>
-          </a:blip>
-          <a:stretch>
-            <a:fillRect/>
-          </a:stretch>
-        </p:blipFill>
-        <p:spPr>
-          <a:xfrm>
-            <a:off x="0" y="1171"/>
-            <a:ext cx="12188826" cy="6992181"/>
-          </a:xfrm>
-          <a:prstGeom prst="rect">
-            <a:avLst/>
-          </a:prstGeom>
-        </p:spPr>
-      </p:pic>
-      <p:sp>
-        <p:nvSpPr>
-          <p:cNvPr id="10" name="Rectangle 9"/>
-          <p:cNvSpPr/>
-          <p:nvPr userDrawn="1"/>
-        </p:nvSpPr>
-        <p:spPr bwMode="gray">
-          <a:xfrm>
-            <a:off x="274702" y="2125677"/>
-            <a:ext cx="7315200" cy="3657586"/>
-          </a:xfrm>
-          <a:prstGeom prst="rect">
-            <a:avLst/>
-          </a:prstGeom>
-          <a:solidFill>
-            <a:srgbClr val="68217A">
-              <a:alpha val="80000"/>
-            </a:srgbClr>
-          </a:solidFill>
-          <a:ln w="9525" cap="flat" cmpd="sng" algn="ctr">
-            <a:noFill/>
-            <a:prstDash val="solid"/>
-            <a:headEnd type="none" w="med" len="med"/>
-            <a:tailEnd type="none" w="med" len="med"/>
-          </a:ln>
-          <a:effectLst/>
-        </p:spPr>
-        <p:txBody>
-          <a:bodyPr rot="0" spcFirstLastPara="0" vertOverflow="overflow" horzOverflow="overflow" vert="horz" wrap="square" lIns="182880" tIns="146304" rIns="182880" bIns="146304" numCol="1" spcCol="0" rtlCol="0" fromWordArt="0" anchor="t" anchorCtr="0" forceAA="0" compatLnSpc="1">
-            <a:prstTxWarp prst="textNoShape">
-              <a:avLst/>
-            </a:prstTxWarp>
-            <a:noAutofit/>
-          </a:bodyPr>
-          <a:lstStyle/>
-          <a:p>
-            <a:pPr marL="0" marR="0" lvl="0" indent="0" algn="ctr" defTabSz="932472" eaLnBrk="1" fontAlgn="base" latinLnBrk="0" hangingPunct="1">
-              <a:lnSpc>
-                <a:spcPct val="90000"/>
-              </a:lnSpc>
-              <a:spcBef>
-                <a:spcPct val="0"/>
-              </a:spcBef>
-              <a:spcAft>
-                <a:spcPct val="0"/>
-              </a:spcAft>
-              <a:buClrTx/>
-              <a:buSzTx/>
-              <a:buFontTx/>
-              <a:buNone/>
-              <a:tabLst/>
-              <a:defRPr/>
-            </a:pPr>
-            <a:endParaRPr kumimoji="0" lang="en-US" sz="2400" b="0" i="0" u="none" strike="noStrike" kern="0" cap="none" spc="0" normalizeH="0" baseline="0" noProof="0" dirty="0" err="1">
-              <a:ln>
-                <a:noFill/>
-              </a:ln>
-              <a:gradFill>
-                <a:gsLst>
-                  <a:gs pos="0">
-                    <a:srgbClr val="FFFFFF"/>
-                  </a:gs>
-                  <a:gs pos="100000">
-                    <a:srgbClr val="FFFFFF"/>
-                  </a:gs>
-                </a:gsLst>
-                <a:lin ang="5400000" scaled="0"/>
-              </a:gradFill>
-              <a:effectLst/>
-              <a:uLnTx/>
-              <a:uFillTx/>
-              <a:latin typeface="Segoe UI"/>
-              <a:ea typeface="Segoe UI" pitchFamily="34" charset="0"/>
-              <a:cs typeface="Segoe UI" pitchFamily="34" charset="0"/>
-            </a:endParaRPr>
-          </a:p>
-        </p:txBody>
-      </p:sp>
-      <p:sp>
-        <p:nvSpPr>
-          <p:cNvPr id="25" name="Text Placeholder 4"/>
-          <p:cNvSpPr>
-            <a:spLocks noGrp="1"/>
-          </p:cNvSpPr>
-          <p:nvPr>
-            <p:ph type="body" sz="quarter" idx="13" hasCustomPrompt="1"/>
-          </p:nvPr>
-        </p:nvSpPr>
-        <p:spPr>
-          <a:xfrm>
-            <a:off x="469400" y="4476022"/>
-            <a:ext cx="6892100" cy="332399"/>
-          </a:xfrm>
-        </p:spPr>
-        <p:txBody>
-          <a:bodyPr>
-            <a:spAutoFit/>
-          </a:bodyPr>
-          <a:lstStyle>
-            <a:lvl1pPr marL="0" indent="0">
-              <a:spcBef>
-                <a:spcPts val="0"/>
-              </a:spcBef>
-              <a:buNone/>
-              <a:defRPr sz="2400" spc="-70" baseline="0">
-                <a:solidFill>
-                  <a:schemeClr val="bg1"/>
-                </a:solidFill>
-                <a:latin typeface="+mj-lt"/>
-              </a:defRPr>
-            </a:lvl1pPr>
-          </a:lstStyle>
-          <a:p>
-            <a:pPr lvl="0"/>
-            <a:r>
-              <a:rPr lang="en-US" dirty="0"/>
-              <a:t>Speaker Title</a:t>
-            </a:r>
-          </a:p>
-        </p:txBody>
-      </p:sp>
-      <p:sp>
-        <p:nvSpPr>
-          <p:cNvPr id="28" name="Title 1"/>
-          <p:cNvSpPr>
-            <a:spLocks noGrp="1"/>
-          </p:cNvSpPr>
-          <p:nvPr>
-            <p:ph type="title" hasCustomPrompt="1"/>
-          </p:nvPr>
-        </p:nvSpPr>
-        <p:spPr>
-          <a:xfrm>
-            <a:off x="469401" y="3083907"/>
-            <a:ext cx="6892100" cy="1163395"/>
-          </a:xfrm>
-        </p:spPr>
-        <p:txBody>
-          <a:bodyPr/>
-          <a:lstStyle>
-            <a:lvl1pPr>
-              <a:defRPr sz="4200">
-                <a:solidFill>
-                  <a:schemeClr val="bg1"/>
-                </a:solidFill>
-              </a:defRPr>
-            </a:lvl1pPr>
-          </a:lstStyle>
-          <a:p>
-            <a:r>
-              <a:rPr lang="en-US" dirty="0"/>
-              <a:t>Line 1</a:t>
-            </a:r>
-            <a:br>
-              <a:rPr lang="en-US" dirty="0"/>
-            </a:br>
-            <a:r>
-              <a:rPr lang="en-US" dirty="0"/>
-              <a:t>Line 2</a:t>
-            </a:r>
-          </a:p>
-        </p:txBody>
-      </p:sp>
-    </p:spTree>
-    <p:extLst>
-      <p:ext uri="{BB962C8B-B14F-4D97-AF65-F5344CB8AC3E}">
-        <p14:creationId xmlns:p14="http://schemas.microsoft.com/office/powerpoint/2010/main" val="2917634325"/>
-      </p:ext>
-    </p:extLst>
-  </p:cSld>
-  <p:clrMapOvr>
-    <a:masterClrMapping/>
-  </p:clrMapOvr>
-  <mc:AlternateContent xmlns:mc="http://schemas.openxmlformats.org/markup-compatibility/2006" xmlns:p14="http://schemas.microsoft.com/office/powerpoint/2010/main">
-    <mc:Choice Requires="p14">
-      <p:transition spd="slow" p14:dur="3400">
-        <p14:reveal/>
-      </p:transition>
-    </mc:Choice>
-    <mc:Fallback xmlns="">
-      <p:transition spd="slow">
-        <p:fade/>
-      </p:transition>
-    </mc:Fallback>
-  </mc:AlternateContent>
-</p:sldLayout>
-</file>
-
-<file path=ppt/slideLayouts/slideLayout30.xml><?xml version="1.0" encoding="utf-8"?>
+<file path=ppt/slideLayouts/slideLayout31.xml><?xml version="1.0" encoding="utf-8"?>
 <p:sldLayout xmlns:a="http://schemas.openxmlformats.org/drawingml/2006/main" xmlns:r="http://schemas.openxmlformats.org/officeDocument/2006/relationships" xmlns:p="http://schemas.openxmlformats.org/presentationml/2006/main" preserve="1" userDrawn="1">
   <p:cSld name="Color Shape &amp; Color Background w/ Title">
     <p:spTree>
@@ -8923,7 +9280,7 @@
 </p:sldLayout>
 </file>
 
-<file path=ppt/slideLayouts/slideLayout31.xml><?xml version="1.0" encoding="utf-8"?>
+<file path=ppt/slideLayouts/slideLayout32.xml><?xml version="1.0" encoding="utf-8"?>
 <p:sldLayout xmlns:a="http://schemas.openxmlformats.org/drawingml/2006/main" xmlns:r="http://schemas.openxmlformats.org/officeDocument/2006/relationships" xmlns:p="http://schemas.openxmlformats.org/presentationml/2006/main" preserve="1" userDrawn="1">
   <p:cSld name="Picture Shape &amp; Color Background w/ Title">
     <p:spTree>
@@ -9353,7 +9710,7 @@
 </p:sldLayout>
 </file>
 
-<file path=ppt/slideLayouts/slideLayout32.xml><?xml version="1.0" encoding="utf-8"?>
+<file path=ppt/slideLayouts/slideLayout33.xml><?xml version="1.0" encoding="utf-8"?>
 <p:sldLayout xmlns:a="http://schemas.openxmlformats.org/drawingml/2006/main" xmlns:r="http://schemas.openxmlformats.org/officeDocument/2006/relationships" xmlns:p="http://schemas.openxmlformats.org/presentationml/2006/main" preserve="1" userDrawn="1">
   <p:cSld name="Title and Content - Code">
     <p:spTree>
@@ -9540,7 +9897,7 @@
 </p:sldLayout>
 </file>
 
-<file path=ppt/slideLayouts/slideLayout33.xml><?xml version="1.0" encoding="utf-8"?>
+<file path=ppt/slideLayouts/slideLayout34.xml><?xml version="1.0" encoding="utf-8"?>
 <p:sldLayout xmlns:a="http://schemas.openxmlformats.org/drawingml/2006/main" xmlns:r="http://schemas.openxmlformats.org/officeDocument/2006/relationships" xmlns:p="http://schemas.openxmlformats.org/presentationml/2006/main" preserve="1" userDrawn="1">
   <p:cSld name="Blank">
     <p:bg bwMode="gray">
@@ -9581,7 +9938,7 @@
 </p:sldLayout>
 </file>
 
-<file path=ppt/slideLayouts/slideLayout34.xml><?xml version="1.0" encoding="utf-8"?>
+<file path=ppt/slideLayouts/slideLayout35.xml><?xml version="1.0" encoding="utf-8"?>
 <p:sldLayout xmlns:a="http://schemas.openxmlformats.org/drawingml/2006/main" xmlns:r="http://schemas.openxmlformats.org/officeDocument/2006/relationships" xmlns:p="http://schemas.openxmlformats.org/presentationml/2006/main" preserve="1" userDrawn="1">
   <p:cSld name="Walk-in">
     <p:bg>
@@ -9656,7 +10013,7 @@
 </p:sldLayout>
 </file>
 
-<file path=ppt/slideLayouts/slideLayout35.xml><?xml version="1.0" encoding="utf-8"?>
+<file path=ppt/slideLayouts/slideLayout36.xml><?xml version="1.0" encoding="utf-8"?>
 <p:sldLayout xmlns:a="http://schemas.openxmlformats.org/drawingml/2006/main" xmlns:r="http://schemas.openxmlformats.org/officeDocument/2006/relationships" xmlns:p="http://schemas.openxmlformats.org/presentationml/2006/main" preserve="1" userDrawn="1">
   <p:cSld name="Closing logo slide">
     <p:spTree>
@@ -9774,7 +10131,7 @@
 </p:sldLayout>
 </file>
 
-<file path=ppt/slideLayouts/slideLayout36.xml><?xml version="1.0" encoding="utf-8"?>
+<file path=ppt/slideLayouts/slideLayout37.xml><?xml version="1.0" encoding="utf-8"?>
 <p:sldLayout xmlns:a="http://schemas.openxmlformats.org/drawingml/2006/main" xmlns:r="http://schemas.openxmlformats.org/officeDocument/2006/relationships" xmlns:p="http://schemas.openxmlformats.org/presentationml/2006/main" preserve="1" userDrawn="1">
   <p:cSld name="Multiple Shapes &amp; Color Background">
     <p:spTree>
@@ -11615,7 +11972,7 @@
 </p:sldLayout>
 </file>
 
-<file path=ppt/slideLayouts/slideLayout37.xml><?xml version="1.0" encoding="utf-8"?>
+<file path=ppt/slideLayouts/slideLayout38.xml><?xml version="1.0" encoding="utf-8"?>
 <p:sldLayout xmlns:a="http://schemas.openxmlformats.org/drawingml/2006/main" xmlns:r="http://schemas.openxmlformats.org/officeDocument/2006/relationships" xmlns:p="http://schemas.openxmlformats.org/presentationml/2006/main" preserve="1" userDrawn="1">
   <p:cSld name="Black Notes slide Layout">
     <p:bg bwMode="black">
@@ -11936,7 +12293,7 @@
 </p:sldLayout>
 </file>
 
-<file path=ppt/slideLayouts/slideLayout38.xml><?xml version="1.0" encoding="utf-8"?>
+<file path=ppt/slideLayouts/slideLayout39.xml><?xml version="1.0" encoding="utf-8"?>
 <p:sldLayout xmlns:a="http://schemas.openxmlformats.org/drawingml/2006/main" xmlns:r="http://schemas.openxmlformats.org/officeDocument/2006/relationships" xmlns:p="http://schemas.openxmlformats.org/presentationml/2006/main" preserve="1" userDrawn="1">
   <p:cSld name="Black Notes slide Layout No Bar">
     <p:bg bwMode="black">
@@ -12200,6 +12557,47 @@
 </file>
 
 <file path=ppt/slideLayouts/slideLayout4.xml><?xml version="1.0" encoding="utf-8"?>
+<p:sldLayout xmlns:a="http://schemas.openxmlformats.org/drawingml/2006/main" xmlns:r="http://schemas.openxmlformats.org/officeDocument/2006/relationships" xmlns:p="http://schemas.openxmlformats.org/presentationml/2006/main" userDrawn="1">
+  <p:cSld name="Blank">
+    <p:bg bwMode="gray">
+      <p:bgPr>
+        <a:solidFill>
+          <a:schemeClr val="bg1"/>
+        </a:solidFill>
+        <a:effectLst/>
+      </p:bgPr>
+    </p:bg>
+    <p:spTree>
+      <p:nvGrpSpPr>
+        <p:cNvPr id="1" name=""/>
+        <p:cNvGrpSpPr/>
+        <p:nvPr/>
+      </p:nvGrpSpPr>
+      <p:grpSpPr>
+        <a:xfrm>
+          <a:off x="0" y="0"/>
+          <a:ext cx="0" cy="0"/>
+          <a:chOff x="0" y="0"/>
+          <a:chExt cx="0" cy="0"/>
+        </a:xfrm>
+      </p:grpSpPr>
+    </p:spTree>
+    <p:extLst>
+      <p:ext uri="{BB962C8B-B14F-4D97-AF65-F5344CB8AC3E}">
+        <p14:creationId xmlns:p14="http://schemas.microsoft.com/office/powerpoint/2010/main" val="459127222"/>
+      </p:ext>
+    </p:extLst>
+  </p:cSld>
+  <p:clrMapOvr>
+    <a:masterClrMapping/>
+  </p:clrMapOvr>
+  <p:transition>
+    <p:fade/>
+  </p:transition>
+</p:sldLayout>
+</file>
+
+<file path=ppt/slideLayouts/slideLayout5.xml><?xml version="1.0" encoding="utf-8"?>
 <p:sldLayout xmlns:a="http://schemas.openxmlformats.org/drawingml/2006/main" xmlns:r="http://schemas.openxmlformats.org/officeDocument/2006/relationships" xmlns:p="http://schemas.openxmlformats.org/presentationml/2006/main" preserve="1" userDrawn="1">
   <p:cSld name="Title 1">
     <p:spTree>
@@ -12433,7 +12831,7 @@
 </p:sldLayout>
 </file>
 
-<file path=ppt/slideLayouts/slideLayout5.xml><?xml version="1.0" encoding="utf-8"?>
+<file path=ppt/slideLayouts/slideLayout6.xml><?xml version="1.0" encoding="utf-8"?>
 <p:sldLayout xmlns:a="http://schemas.openxmlformats.org/drawingml/2006/main" xmlns:r="http://schemas.openxmlformats.org/officeDocument/2006/relationships" xmlns:p="http://schemas.openxmlformats.org/presentationml/2006/main" preserve="1" userDrawn="1">
   <p:cSld name="Title 2">
     <p:spTree>
@@ -12668,7 +13066,7 @@
 </p:sldLayout>
 </file>
 
-<file path=ppt/slideLayouts/slideLayout6.xml><?xml version="1.0" encoding="utf-8"?>
+<file path=ppt/slideLayouts/slideLayout7.xml><?xml version="1.0" encoding="utf-8"?>
 <p:sldLayout xmlns:a="http://schemas.openxmlformats.org/drawingml/2006/main" xmlns:r="http://schemas.openxmlformats.org/officeDocument/2006/relationships" xmlns:p="http://schemas.openxmlformats.org/presentationml/2006/main" preserve="1" userDrawn="1">
   <p:cSld name="Title 3">
     <p:bg>
@@ -12796,7 +13194,7 @@
 </p:sldLayout>
 </file>
 
-<file path=ppt/slideLayouts/slideLayout7.xml><?xml version="1.0" encoding="utf-8"?>
+<file path=ppt/slideLayouts/slideLayout8.xml><?xml version="1.0" encoding="utf-8"?>
 <p:sldLayout xmlns:a="http://schemas.openxmlformats.org/drawingml/2006/main" xmlns:r="http://schemas.openxmlformats.org/officeDocument/2006/relationships" xmlns:p="http://schemas.openxmlformats.org/presentationml/2006/main" preserve="1" userDrawn="1">
   <p:cSld name="Title Slide">
     <p:spTree>
@@ -12996,7 +13394,7 @@
 </p:sldLayout>
 </file>
 
-<file path=ppt/slideLayouts/slideLayout8.xml><?xml version="1.0" encoding="utf-8"?>
+<file path=ppt/slideLayouts/slideLayout9.xml><?xml version="1.0" encoding="utf-8"?>
 <p:sldLayout xmlns:a="http://schemas.openxmlformats.org/drawingml/2006/main" xmlns:r="http://schemas.openxmlformats.org/officeDocument/2006/relationships" xmlns:p="http://schemas.openxmlformats.org/presentationml/2006/main" preserve="1" userDrawn="1">
   <p:cSld name="Title slide - 2">
     <p:spTree>
@@ -14221,130 +14619,6 @@
 </p:sldLayout>
 </file>
 
-<file path=ppt/slideLayouts/slideLayout9.xml><?xml version="1.0" encoding="utf-8"?>
-<p:sldLayout xmlns:a="http://schemas.openxmlformats.org/drawingml/2006/main" xmlns:r="http://schemas.openxmlformats.org/officeDocument/2006/relationships" xmlns:p="http://schemas.openxmlformats.org/presentationml/2006/main" preserve="1" userDrawn="1">
-  <p:cSld name="Title and Content">
-    <p:spTree>
-      <p:nvGrpSpPr>
-        <p:cNvPr id="1" name=""/>
-        <p:cNvGrpSpPr/>
-        <p:nvPr/>
-      </p:nvGrpSpPr>
-      <p:grpSpPr>
-        <a:xfrm>
-          <a:off x="0" y="0"/>
-          <a:ext cx="0" cy="0"/>
-          <a:chOff x="0" y="0"/>
-          <a:chExt cx="0" cy="0"/>
-        </a:xfrm>
-      </p:grpSpPr>
-      <p:sp>
-        <p:nvSpPr>
-          <p:cNvPr id="4" name="Text Placeholder 3"/>
-          <p:cNvSpPr>
-            <a:spLocks noGrp="1"/>
-          </p:cNvSpPr>
-          <p:nvPr>
-            <p:ph type="body" sz="quarter" idx="10"/>
-          </p:nvPr>
-        </p:nvSpPr>
-        <p:spPr>
-          <a:xfrm>
-            <a:off x="269169" y="1189177"/>
-            <a:ext cx="11650488" cy="2184808"/>
-          </a:xfrm>
-        </p:spPr>
-        <p:txBody>
-          <a:bodyPr>
-            <a:spAutoFit/>
-          </a:bodyPr>
-          <a:lstStyle>
-            <a:lvl3pPr>
-              <a:defRPr sz="2352"/>
-            </a:lvl3pPr>
-            <a:lvl4pPr>
-              <a:defRPr sz="1960"/>
-            </a:lvl4pPr>
-            <a:lvl5pPr>
-              <a:defRPr sz="1960"/>
-            </a:lvl5pPr>
-          </a:lstStyle>
-          <a:p>
-            <a:pPr lvl="0"/>
-            <a:r>
-              <a:rPr lang="en-US"/>
-              <a:t>Click to edit Master text styles</a:t>
-            </a:r>
-          </a:p>
-          <a:p>
-            <a:pPr lvl="1"/>
-            <a:r>
-              <a:rPr lang="en-US"/>
-              <a:t>Second level</a:t>
-            </a:r>
-          </a:p>
-          <a:p>
-            <a:pPr lvl="2"/>
-            <a:r>
-              <a:rPr lang="en-US"/>
-              <a:t>Third level</a:t>
-            </a:r>
-          </a:p>
-          <a:p>
-            <a:pPr lvl="3"/>
-            <a:r>
-              <a:rPr lang="en-US"/>
-              <a:t>Fourth level</a:t>
-            </a:r>
-          </a:p>
-          <a:p>
-            <a:pPr lvl="4"/>
-            <a:r>
-              <a:rPr lang="en-US"/>
-              <a:t>Fifth level</a:t>
-            </a:r>
-            <a:endParaRPr lang="en-US" dirty="0"/>
-          </a:p>
-        </p:txBody>
-      </p:sp>
-      <p:sp>
-        <p:nvSpPr>
-          <p:cNvPr id="6" name="Title 5"/>
-          <p:cNvSpPr>
-            <a:spLocks noGrp="1"/>
-          </p:cNvSpPr>
-          <p:nvPr>
-            <p:ph type="title"/>
-          </p:nvPr>
-        </p:nvSpPr>
-        <p:spPr/>
-        <p:txBody>
-          <a:bodyPr/>
-          <a:lstStyle/>
-          <a:p>
-            <a:r>
-              <a:rPr lang="en-US"/>
-              <a:t>Click to edit Master title style</a:t>
-            </a:r>
-          </a:p>
-        </p:txBody>
-      </p:sp>
-    </p:spTree>
-    <p:extLst>
-      <p:ext uri="{BB962C8B-B14F-4D97-AF65-F5344CB8AC3E}">
-        <p14:creationId xmlns:p14="http://schemas.microsoft.com/office/powerpoint/2010/main" val="2300245667"/>
-      </p:ext>
-    </p:extLst>
-  </p:cSld>
-  <p:clrMapOvr>
-    <a:masterClrMapping/>
-  </p:clrMapOvr>
-  <p:transition>
-    <p:fade/>
-  </p:transition>
-</p:sldLayout>
-</file>
-
 <file path=ppt/slideMasters/slideMaster1.xml><?xml version="1.0" encoding="utf-8"?>
 <p:sldMaster xmlns:a="http://schemas.openxmlformats.org/drawingml/2006/main" xmlns:r="http://schemas.openxmlformats.org/officeDocument/2006/relationships" xmlns:p="http://schemas.openxmlformats.org/presentationml/2006/main" preserve="1">
   <p:cSld>
@@ -14475,6 +14749,7 @@
     <p:sldLayoutId id="2147484167" r:id="rId1"/>
     <p:sldLayoutId id="2147484173" r:id="rId2"/>
     <p:sldLayoutId id="2147484212" r:id="rId3"/>
+    <p:sldLayoutId id="2147484213" r:id="rId4"/>
   </p:sldLayoutIdLst>
   <p:transition>
     <p:fade/>
@@ -16708,242 +16983,7 @@
 </p:sld>
 </file>
 
-<file path=ppt/slides/slide2.xml><?xml version="1.0" encoding="utf-8"?>
-<p:sld xmlns:a="http://schemas.openxmlformats.org/drawingml/2006/main" xmlns:r="http://schemas.openxmlformats.org/officeDocument/2006/relationships" xmlns:p="http://schemas.openxmlformats.org/presentationml/2006/main">
-  <p:cSld>
-    <p:spTree>
-      <p:nvGrpSpPr>
-        <p:cNvPr id="1" name=""/>
-        <p:cNvGrpSpPr/>
-        <p:nvPr/>
-      </p:nvGrpSpPr>
-      <p:grpSpPr>
-        <a:xfrm>
-          <a:off x="0" y="0"/>
-          <a:ext cx="0" cy="0"/>
-          <a:chOff x="0" y="0"/>
-          <a:chExt cx="0" cy="0"/>
-        </a:xfrm>
-      </p:grpSpPr>
-      <p:sp>
-        <p:nvSpPr>
-          <p:cNvPr id="2" name="Text Placeholder 1"/>
-          <p:cNvSpPr>
-            <a:spLocks noGrp="1"/>
-          </p:cNvSpPr>
-          <p:nvPr>
-            <p:ph type="body" sz="quarter" idx="13"/>
-          </p:nvPr>
-        </p:nvSpPr>
-        <p:spPr>
-          <a:xfrm>
-            <a:off x="469400" y="4476022"/>
-            <a:ext cx="6892100" cy="369332"/>
-          </a:xfrm>
-        </p:spPr>
-        <p:txBody>
-          <a:bodyPr/>
-          <a:lstStyle/>
-          <a:p>
-            <a:pPr>
-              <a:lnSpc>
-                <a:spcPct val="100000"/>
-              </a:lnSpc>
-            </a:pPr>
-            <a:r>
-              <a:rPr lang="zh-CN" altLang="en-US" dirty="0"/>
-              <a:t>姓名：</a:t>
-            </a:r>
-            <a:endParaRPr lang="en-US" dirty="0"/>
-          </a:p>
-        </p:txBody>
-      </p:sp>
-      <p:sp>
-        <p:nvSpPr>
-          <p:cNvPr id="3" name="Title 2"/>
-          <p:cNvSpPr>
-            <a:spLocks noGrp="1"/>
-          </p:cNvSpPr>
-          <p:nvPr>
-            <p:ph type="title"/>
-          </p:nvPr>
-        </p:nvSpPr>
-        <p:spPr/>
-        <p:txBody>
-          <a:bodyPr/>
-          <a:lstStyle/>
-          <a:p>
-            <a:pPr>
-              <a:lnSpc>
-                <a:spcPct val="110000"/>
-              </a:lnSpc>
-            </a:pPr>
-            <a:r>
-              <a:rPr lang="zh-CN" altLang="en-US" dirty="0"/>
-              <a:t>项目名称</a:t>
-            </a:r>
-            <a:endParaRPr lang="en-US" sz="2500" spc="0" dirty="0"/>
-          </a:p>
-        </p:txBody>
-      </p:sp>
-    </p:spTree>
-    <p:extLst>
-      <p:ext uri="{BB962C8B-B14F-4D97-AF65-F5344CB8AC3E}">
-        <p14:creationId xmlns:p14="http://schemas.microsoft.com/office/powerpoint/2010/main" val="1026832033"/>
-      </p:ext>
-    </p:extLst>
-  </p:cSld>
-  <p:clrMapOvr>
-    <a:masterClrMapping/>
-  </p:clrMapOvr>
-  <mc:AlternateContent xmlns:mc="http://schemas.openxmlformats.org/markup-compatibility/2006" xmlns:p14="http://schemas.microsoft.com/office/powerpoint/2010/main">
-    <mc:Choice Requires="p14">
-      <p:transition p14:dur="0"/>
-    </mc:Choice>
-    <mc:Fallback xmlns="">
-      <p:transition/>
-    </mc:Fallback>
-  </mc:AlternateContent>
-</p:sld>
-</file>
-
-<file path=ppt/slides/slide3.xml><?xml version="1.0" encoding="utf-8"?>
-<p:sld xmlns:a="http://schemas.openxmlformats.org/drawingml/2006/main" xmlns:r="http://schemas.openxmlformats.org/officeDocument/2006/relationships" xmlns:p="http://schemas.openxmlformats.org/presentationml/2006/main">
-  <p:cSld>
-    <p:spTree>
-      <p:nvGrpSpPr>
-        <p:cNvPr id="1" name=""/>
-        <p:cNvGrpSpPr/>
-        <p:nvPr/>
-      </p:nvGrpSpPr>
-      <p:grpSpPr>
-        <a:xfrm>
-          <a:off x="0" y="0"/>
-          <a:ext cx="0" cy="0"/>
-          <a:chOff x="0" y="0"/>
-          <a:chExt cx="0" cy="0"/>
-        </a:xfrm>
-      </p:grpSpPr>
-      <p:sp>
-        <p:nvSpPr>
-          <p:cNvPr id="5" name="Text Placeholder 4"/>
-          <p:cNvSpPr>
-            <a:spLocks noGrp="1"/>
-          </p:cNvSpPr>
-          <p:nvPr>
-            <p:ph type="body" sz="quarter" idx="10"/>
-          </p:nvPr>
-        </p:nvSpPr>
-        <p:spPr>
-          <a:xfrm>
-            <a:off x="519112" y="1088982"/>
-            <a:ext cx="11149013" cy="526298"/>
-          </a:xfrm>
-        </p:spPr>
-        <p:txBody>
-          <a:bodyPr/>
-          <a:lstStyle/>
-          <a:p>
-            <a:endParaRPr lang="en-US" dirty="0"/>
-          </a:p>
-        </p:txBody>
-      </p:sp>
-      <p:sp>
-        <p:nvSpPr>
-          <p:cNvPr id="4" name="Title 3"/>
-          <p:cNvSpPr>
-            <a:spLocks noGrp="1"/>
-          </p:cNvSpPr>
-          <p:nvPr>
-            <p:ph type="title"/>
-          </p:nvPr>
-        </p:nvSpPr>
-        <p:spPr/>
-        <p:txBody>
-          <a:bodyPr/>
-          <a:lstStyle/>
-          <a:p>
-            <a:r>
-              <a:rPr lang="zh-CN" altLang="en-US" dirty="0"/>
-              <a:t>应用场景：</a:t>
-            </a:r>
-            <a:endParaRPr lang="en-US" dirty="0"/>
-          </a:p>
-        </p:txBody>
-      </p:sp>
-    </p:spTree>
-    <p:extLst>
-      <p:ext uri="{BB962C8B-B14F-4D97-AF65-F5344CB8AC3E}">
-        <p14:creationId xmlns:p14="http://schemas.microsoft.com/office/powerpoint/2010/main" val="2159804127"/>
-      </p:ext>
-    </p:extLst>
-  </p:cSld>
-  <p:clrMapOvr>
-    <a:masterClrMapping/>
-  </p:clrMapOvr>
-  <p:transition>
-    <p:fade/>
-  </p:transition>
-</p:sld>
-</file>
-
-<file path=ppt/slides/slide4.xml><?xml version="1.0" encoding="utf-8"?>
-<p:sld xmlns:a="http://schemas.openxmlformats.org/drawingml/2006/main" xmlns:r="http://schemas.openxmlformats.org/officeDocument/2006/relationships" xmlns:p="http://schemas.openxmlformats.org/presentationml/2006/main">
-  <p:cSld>
-    <p:spTree>
-      <p:nvGrpSpPr>
-        <p:cNvPr id="1" name=""/>
-        <p:cNvGrpSpPr/>
-        <p:nvPr/>
-      </p:nvGrpSpPr>
-      <p:grpSpPr>
-        <a:xfrm>
-          <a:off x="0" y="0"/>
-          <a:ext cx="0" cy="0"/>
-          <a:chOff x="0" y="0"/>
-          <a:chExt cx="0" cy="0"/>
-        </a:xfrm>
-      </p:grpSpPr>
-      <p:sp>
-        <p:nvSpPr>
-          <p:cNvPr id="2" name="Title 1"/>
-          <p:cNvSpPr>
-            <a:spLocks noGrp="1"/>
-          </p:cNvSpPr>
-          <p:nvPr>
-            <p:ph type="title"/>
-          </p:nvPr>
-        </p:nvSpPr>
-        <p:spPr/>
-        <p:txBody>
-          <a:bodyPr/>
-          <a:lstStyle/>
-          <a:p>
-            <a:r>
-              <a:rPr lang="zh-CN" altLang="en-US" dirty="0"/>
-              <a:t>设计功能</a:t>
-            </a:r>
-            <a:endParaRPr lang="en-US" dirty="0"/>
-          </a:p>
-        </p:txBody>
-      </p:sp>
-    </p:spTree>
-    <p:extLst>
-      <p:ext uri="{BB962C8B-B14F-4D97-AF65-F5344CB8AC3E}">
-        <p14:creationId xmlns:p14="http://schemas.microsoft.com/office/powerpoint/2010/main" val="470859669"/>
-      </p:ext>
-    </p:extLst>
-  </p:cSld>
-  <p:clrMapOvr>
-    <a:masterClrMapping/>
-  </p:clrMapOvr>
-  <p:transition>
-    <p:fade/>
-  </p:transition>
-</p:sld>
-</file>
-
-<file path=ppt/slides/slide5.xml><?xml version="1.0" encoding="utf-8"?>
+<file path=ppt/slides/slide10.xml><?xml version="1.0" encoding="utf-8"?>
 <p:sld xmlns:a="http://schemas.openxmlformats.org/drawingml/2006/main" xmlns:r="http://schemas.openxmlformats.org/officeDocument/2006/relationships" xmlns:p="http://schemas.openxmlformats.org/presentationml/2006/main">
   <p:cSld>
     <p:spTree>
@@ -16999,7 +17039,7 @@
 </p:sld>
 </file>
 
-<file path=ppt/slides/slide6.xml><?xml version="1.0" encoding="utf-8"?>
+<file path=ppt/slides/slide11.xml><?xml version="1.0" encoding="utf-8"?>
 <p:sld xmlns:a="http://schemas.openxmlformats.org/drawingml/2006/main" xmlns:r="http://schemas.openxmlformats.org/officeDocument/2006/relationships" xmlns:p="http://schemas.openxmlformats.org/presentationml/2006/main">
   <p:cSld>
     <p:spTree>
@@ -17409,6 +17449,1024 @@
       <p:transition/>
     </mc:Fallback>
   </mc:AlternateContent>
+</p:sld>
+</file>
+
+<file path=ppt/slides/slide12.xml><?xml version="1.0" encoding="utf-8"?>
+<p:sld xmlns:a="http://schemas.openxmlformats.org/drawingml/2006/main" xmlns:r="http://schemas.openxmlformats.org/officeDocument/2006/relationships" xmlns:p="http://schemas.openxmlformats.org/presentationml/2006/main">
+  <p:cSld>
+    <p:spTree>
+      <p:nvGrpSpPr>
+        <p:cNvPr id="1" name=""/>
+        <p:cNvGrpSpPr/>
+        <p:nvPr/>
+      </p:nvGrpSpPr>
+      <p:grpSpPr>
+        <a:xfrm>
+          <a:off x="0" y="0"/>
+          <a:ext cx="0" cy="0"/>
+          <a:chOff x="0" y="0"/>
+          <a:chExt cx="0" cy="0"/>
+        </a:xfrm>
+      </p:grpSpPr>
+      <p:pic>
+        <p:nvPicPr>
+          <p:cNvPr id="2" name="Picture 1"/>
+          <p:cNvPicPr>
+            <a:picLocks noChangeAspect="1"/>
+          </p:cNvPicPr>
+          <p:nvPr/>
+        </p:nvPicPr>
+        <p:blipFill>
+          <a:blip r:embed="rId2">
+            <a:extLst>
+              <a:ext uri="{28A0092B-C50C-407E-A947-70E740481C1C}">
+                <a14:useLocalDpi xmlns:a14="http://schemas.microsoft.com/office/drawing/2010/main" val="0"/>
+              </a:ext>
+            </a:extLst>
+          </a:blip>
+          <a:stretch>
+            <a:fillRect/>
+          </a:stretch>
+        </p:blipFill>
+        <p:spPr>
+          <a:xfrm>
+            <a:off x="0" y="6268"/>
+            <a:ext cx="12188825" cy="6845464"/>
+          </a:xfrm>
+          <a:prstGeom prst="rect">
+            <a:avLst/>
+          </a:prstGeom>
+        </p:spPr>
+      </p:pic>
+    </p:spTree>
+    <p:extLst>
+      <p:ext uri="{BB962C8B-B14F-4D97-AF65-F5344CB8AC3E}">
+        <p14:creationId xmlns:p14="http://schemas.microsoft.com/office/powerpoint/2010/main" val="2069972645"/>
+      </p:ext>
+    </p:extLst>
+  </p:cSld>
+  <p:clrMapOvr>
+    <a:masterClrMapping/>
+  </p:clrMapOvr>
+  <p:transition>
+    <p:fade/>
+  </p:transition>
+</p:sld>
+</file>
+
+<file path=ppt/slides/slide2.xml><?xml version="1.0" encoding="utf-8"?>
+<p:sld xmlns:a="http://schemas.openxmlformats.org/drawingml/2006/main" xmlns:r="http://schemas.openxmlformats.org/officeDocument/2006/relationships" xmlns:p="http://schemas.openxmlformats.org/presentationml/2006/main">
+  <p:cSld>
+    <p:spTree>
+      <p:nvGrpSpPr>
+        <p:cNvPr id="1" name=""/>
+        <p:cNvGrpSpPr/>
+        <p:nvPr/>
+      </p:nvGrpSpPr>
+      <p:grpSpPr>
+        <a:xfrm>
+          <a:off x="0" y="0"/>
+          <a:ext cx="0" cy="0"/>
+          <a:chOff x="0" y="0"/>
+          <a:chExt cx="0" cy="0"/>
+        </a:xfrm>
+      </p:grpSpPr>
+      <p:sp>
+        <p:nvSpPr>
+          <p:cNvPr id="2" name="Text Placeholder 1"/>
+          <p:cNvSpPr>
+            <a:spLocks noGrp="1"/>
+          </p:cNvSpPr>
+          <p:nvPr>
+            <p:ph type="body" sz="quarter" idx="13"/>
+          </p:nvPr>
+        </p:nvSpPr>
+        <p:spPr>
+          <a:xfrm>
+            <a:off x="469400" y="4476022"/>
+            <a:ext cx="6892100" cy="369332"/>
+          </a:xfrm>
+        </p:spPr>
+        <p:txBody>
+          <a:bodyPr/>
+          <a:lstStyle/>
+          <a:p>
+            <a:pPr>
+              <a:lnSpc>
+                <a:spcPct val="100000"/>
+              </a:lnSpc>
+            </a:pPr>
+            <a:r>
+              <a:rPr lang="zh-CN" altLang="en-US" dirty="0"/>
+              <a:t>姓名：</a:t>
+            </a:r>
+            <a:endParaRPr lang="en-US" dirty="0"/>
+          </a:p>
+        </p:txBody>
+      </p:sp>
+      <p:sp>
+        <p:nvSpPr>
+          <p:cNvPr id="3" name="Title 2"/>
+          <p:cNvSpPr>
+            <a:spLocks noGrp="1"/>
+          </p:cNvSpPr>
+          <p:nvPr>
+            <p:ph type="title"/>
+          </p:nvPr>
+        </p:nvSpPr>
+        <p:spPr/>
+        <p:txBody>
+          <a:bodyPr/>
+          <a:lstStyle/>
+          <a:p>
+            <a:pPr>
+              <a:lnSpc>
+                <a:spcPct val="110000"/>
+              </a:lnSpc>
+            </a:pPr>
+            <a:r>
+              <a:rPr lang="zh-CN" altLang="en-US" dirty="0"/>
+              <a:t>项目名称</a:t>
+            </a:r>
+            <a:endParaRPr lang="en-US" sz="2500" spc="0" dirty="0"/>
+          </a:p>
+        </p:txBody>
+      </p:sp>
+    </p:spTree>
+    <p:extLst>
+      <p:ext uri="{BB962C8B-B14F-4D97-AF65-F5344CB8AC3E}">
+        <p14:creationId xmlns:p14="http://schemas.microsoft.com/office/powerpoint/2010/main" val="1026832033"/>
+      </p:ext>
+    </p:extLst>
+  </p:cSld>
+  <p:clrMapOvr>
+    <a:masterClrMapping/>
+  </p:clrMapOvr>
+  <mc:AlternateContent xmlns:mc="http://schemas.openxmlformats.org/markup-compatibility/2006" xmlns:p14="http://schemas.microsoft.com/office/powerpoint/2010/main">
+    <mc:Choice Requires="p14">
+      <p:transition p14:dur="0"/>
+    </mc:Choice>
+    <mc:Fallback xmlns="">
+      <p:transition/>
+    </mc:Fallback>
+  </mc:AlternateContent>
+</p:sld>
+</file>
+
+<file path=ppt/slides/slide3.xml><?xml version="1.0" encoding="utf-8"?>
+<p:sld xmlns:a="http://schemas.openxmlformats.org/drawingml/2006/main" xmlns:r="http://schemas.openxmlformats.org/officeDocument/2006/relationships" xmlns:p="http://schemas.openxmlformats.org/presentationml/2006/main">
+  <p:cSld>
+    <p:spTree>
+      <p:nvGrpSpPr>
+        <p:cNvPr id="1" name=""/>
+        <p:cNvGrpSpPr/>
+        <p:nvPr/>
+      </p:nvGrpSpPr>
+      <p:grpSpPr>
+        <a:xfrm>
+          <a:off x="0" y="0"/>
+          <a:ext cx="0" cy="0"/>
+          <a:chOff x="0" y="0"/>
+          <a:chExt cx="0" cy="0"/>
+        </a:xfrm>
+      </p:grpSpPr>
+      <p:sp>
+        <p:nvSpPr>
+          <p:cNvPr id="4" name="Title 3"/>
+          <p:cNvSpPr>
+            <a:spLocks noGrp="1"/>
+          </p:cNvSpPr>
+          <p:nvPr>
+            <p:ph type="title"/>
+          </p:nvPr>
+        </p:nvSpPr>
+        <p:spPr>
+          <a:xfrm>
+            <a:off x="469401" y="3083907"/>
+            <a:ext cx="6892100" cy="1135696"/>
+          </a:xfrm>
+        </p:spPr>
+        <p:txBody>
+          <a:bodyPr/>
+          <a:lstStyle/>
+          <a:p>
+            <a:r>
+              <a:rPr lang="zh-CN" altLang="en-US" dirty="0"/>
+              <a:t>挑战第一关</a:t>
+            </a:r>
+            <a:br>
+              <a:rPr lang="en-US" altLang="zh-CN" dirty="0"/>
+            </a:br>
+            <a:r>
+              <a:rPr lang="en-US" altLang="en-US" sz="4000" spc="0" dirty="0" err="1"/>
+              <a:t>语音频谱图分类</a:t>
+            </a:r>
+            <a:endParaRPr lang="en-US" dirty="0"/>
+          </a:p>
+        </p:txBody>
+      </p:sp>
+    </p:spTree>
+    <p:extLst>
+      <p:ext uri="{BB962C8B-B14F-4D97-AF65-F5344CB8AC3E}">
+        <p14:creationId xmlns:p14="http://schemas.microsoft.com/office/powerpoint/2010/main" val="72686185"/>
+      </p:ext>
+    </p:extLst>
+  </p:cSld>
+  <p:clrMapOvr>
+    <a:masterClrMapping/>
+  </p:clrMapOvr>
+  <mc:AlternateContent xmlns:mc="http://schemas.openxmlformats.org/markup-compatibility/2006" xmlns:p14="http://schemas.microsoft.com/office/powerpoint/2010/main">
+    <mc:Choice Requires="p14">
+      <p:transition spd="slow" p14:dur="3400">
+        <p14:reveal/>
+      </p:transition>
+    </mc:Choice>
+    <mc:Fallback xmlns="">
+      <p:transition spd="slow">
+        <p:fade/>
+      </p:transition>
+    </mc:Fallback>
+  </mc:AlternateContent>
+</p:sld>
+</file>
+
+<file path=ppt/slides/slide4.xml><?xml version="1.0" encoding="utf-8"?>
+<p:sld xmlns:a="http://schemas.openxmlformats.org/drawingml/2006/main" xmlns:r="http://schemas.openxmlformats.org/officeDocument/2006/relationships" xmlns:p="http://schemas.openxmlformats.org/presentationml/2006/main">
+  <p:cSld>
+    <p:spTree>
+      <p:nvGrpSpPr>
+        <p:cNvPr id="1" name=""/>
+        <p:cNvGrpSpPr/>
+        <p:nvPr/>
+      </p:nvGrpSpPr>
+      <p:grpSpPr>
+        <a:xfrm>
+          <a:off x="0" y="0"/>
+          <a:ext cx="0" cy="0"/>
+          <a:chOff x="0" y="0"/>
+          <a:chExt cx="0" cy="0"/>
+        </a:xfrm>
+      </p:grpSpPr>
+      <p:sp>
+        <p:nvSpPr>
+          <p:cNvPr id="5" name="Text Placeholder 4"/>
+          <p:cNvSpPr>
+            <a:spLocks noGrp="1"/>
+          </p:cNvSpPr>
+          <p:nvPr>
+            <p:ph type="body" sz="quarter" idx="10"/>
+          </p:nvPr>
+        </p:nvSpPr>
+        <p:spPr/>
+        <p:txBody>
+          <a:bodyPr/>
+          <a:lstStyle/>
+          <a:p>
+            <a:endParaRPr lang="en-US"/>
+          </a:p>
+        </p:txBody>
+      </p:sp>
+      <p:sp>
+        <p:nvSpPr>
+          <p:cNvPr id="4" name="Title 3"/>
+          <p:cNvSpPr>
+            <a:spLocks noGrp="1"/>
+          </p:cNvSpPr>
+          <p:nvPr>
+            <p:ph type="title"/>
+          </p:nvPr>
+        </p:nvSpPr>
+        <p:spPr/>
+        <p:txBody>
+          <a:bodyPr/>
+          <a:lstStyle/>
+          <a:p>
+            <a:r>
+              <a:rPr lang="zh-CN" altLang="en-US" dirty="0"/>
+              <a:t>实现方法</a:t>
+            </a:r>
+            <a:endParaRPr lang="en-US" dirty="0"/>
+          </a:p>
+        </p:txBody>
+      </p:sp>
+    </p:spTree>
+    <p:extLst>
+      <p:ext uri="{BB962C8B-B14F-4D97-AF65-F5344CB8AC3E}">
+        <p14:creationId xmlns:p14="http://schemas.microsoft.com/office/powerpoint/2010/main" val="1622326597"/>
+      </p:ext>
+    </p:extLst>
+  </p:cSld>
+  <p:clrMapOvr>
+    <a:masterClrMapping/>
+  </p:clrMapOvr>
+  <p:transition>
+    <p:fade/>
+  </p:transition>
+</p:sld>
+</file>
+
+<file path=ppt/slides/slide5.xml><?xml version="1.0" encoding="utf-8"?>
+<p:sld xmlns:a="http://schemas.openxmlformats.org/drawingml/2006/main" xmlns:r="http://schemas.openxmlformats.org/officeDocument/2006/relationships" xmlns:p="http://schemas.openxmlformats.org/presentationml/2006/main">
+  <p:cSld>
+    <p:spTree>
+      <p:nvGrpSpPr>
+        <p:cNvPr id="1" name=""/>
+        <p:cNvGrpSpPr/>
+        <p:nvPr/>
+      </p:nvGrpSpPr>
+      <p:grpSpPr>
+        <a:xfrm>
+          <a:off x="0" y="0"/>
+          <a:ext cx="0" cy="0"/>
+          <a:chOff x="0" y="0"/>
+          <a:chExt cx="0" cy="0"/>
+        </a:xfrm>
+      </p:grpSpPr>
+      <p:sp>
+        <p:nvSpPr>
+          <p:cNvPr id="2" name="Title 1"/>
+          <p:cNvSpPr>
+            <a:spLocks noGrp="1"/>
+          </p:cNvSpPr>
+          <p:nvPr>
+            <p:ph type="title"/>
+          </p:nvPr>
+        </p:nvSpPr>
+        <p:spPr/>
+        <p:txBody>
+          <a:bodyPr/>
+          <a:lstStyle/>
+          <a:p>
+            <a:r>
+              <a:rPr lang="zh-CN" altLang="en-US" dirty="0"/>
+              <a:t>结果分析</a:t>
+            </a:r>
+            <a:endParaRPr lang="en-US" dirty="0"/>
+          </a:p>
+        </p:txBody>
+      </p:sp>
+    </p:spTree>
+    <p:extLst>
+      <p:ext uri="{BB962C8B-B14F-4D97-AF65-F5344CB8AC3E}">
+        <p14:creationId xmlns:p14="http://schemas.microsoft.com/office/powerpoint/2010/main" val="301633154"/>
+      </p:ext>
+    </p:extLst>
+  </p:cSld>
+  <p:clrMapOvr>
+    <a:masterClrMapping/>
+  </p:clrMapOvr>
+  <p:transition>
+    <p:fade/>
+  </p:transition>
+</p:sld>
+</file>
+
+<file path=ppt/slides/slide6.xml><?xml version="1.0" encoding="utf-8"?>
+<p:sld xmlns:a="http://schemas.openxmlformats.org/drawingml/2006/main" xmlns:r="http://schemas.openxmlformats.org/officeDocument/2006/relationships" xmlns:p="http://schemas.openxmlformats.org/presentationml/2006/main">
+  <p:cSld>
+    <p:spTree>
+      <p:nvGrpSpPr>
+        <p:cNvPr id="1" name=""/>
+        <p:cNvGrpSpPr/>
+        <p:nvPr/>
+      </p:nvGrpSpPr>
+      <p:grpSpPr>
+        <a:xfrm>
+          <a:off x="0" y="0"/>
+          <a:ext cx="0" cy="0"/>
+          <a:chOff x="0" y="0"/>
+          <a:chExt cx="0" cy="0"/>
+        </a:xfrm>
+      </p:grpSpPr>
+      <p:sp>
+        <p:nvSpPr>
+          <p:cNvPr id="45" name="Rectangle 44"/>
+          <p:cNvSpPr/>
+          <p:nvPr/>
+        </p:nvSpPr>
+        <p:spPr bwMode="auto">
+          <a:xfrm>
+            <a:off x="0" y="1"/>
+            <a:ext cx="12188825" cy="6857999"/>
+          </a:xfrm>
+          <a:prstGeom prst="rect">
+            <a:avLst/>
+          </a:prstGeom>
+          <a:solidFill>
+            <a:srgbClr val="8A3986"/>
+          </a:solidFill>
+          <a:ln w="0" cap="flat" cmpd="sng" algn="ctr">
+            <a:noFill/>
+            <a:prstDash val="solid"/>
+            <a:headEnd type="none" w="med" len="med"/>
+            <a:tailEnd type="none" w="med" len="med"/>
+          </a:ln>
+          <a:effectLst/>
+        </p:spPr>
+        <p:txBody>
+          <a:bodyPr rot="0" spcFirstLastPara="0" vertOverflow="overflow" horzOverflow="overflow" vert="horz" wrap="square" lIns="182880" tIns="146304" rIns="182880" bIns="146304" numCol="1" spcCol="0" rtlCol="0" fromWordArt="0" anchor="t" anchorCtr="0" forceAA="0" compatLnSpc="1">
+            <a:prstTxWarp prst="textNoShape">
+              <a:avLst/>
+            </a:prstTxWarp>
+            <a:noAutofit/>
+          </a:bodyPr>
+          <a:lstStyle/>
+          <a:p>
+            <a:pPr algn="ctr" defTabSz="932472" fontAlgn="base">
+              <a:lnSpc>
+                <a:spcPct val="90000"/>
+              </a:lnSpc>
+              <a:spcBef>
+                <a:spcPct val="0"/>
+              </a:spcBef>
+              <a:spcAft>
+                <a:spcPct val="0"/>
+              </a:spcAft>
+            </a:pPr>
+            <a:endParaRPr lang="en-US" sz="2400" kern="0" dirty="0" err="1">
+              <a:gradFill>
+                <a:gsLst>
+                  <a:gs pos="0">
+                    <a:srgbClr val="FFFFFF"/>
+                  </a:gs>
+                  <a:gs pos="100000">
+                    <a:srgbClr val="FFFFFF"/>
+                  </a:gs>
+                </a:gsLst>
+                <a:lin ang="5400000" scaled="0"/>
+              </a:gradFill>
+              <a:ea typeface="Segoe UI" pitchFamily="34" charset="0"/>
+              <a:cs typeface="Segoe UI" pitchFamily="34" charset="0"/>
+            </a:endParaRPr>
+          </a:p>
+        </p:txBody>
+      </p:sp>
+      <p:sp>
+        <p:nvSpPr>
+          <p:cNvPr id="7" name="Text Placeholder 4"/>
+          <p:cNvSpPr txBox="1">
+            <a:spLocks/>
+          </p:cNvSpPr>
+          <p:nvPr/>
+        </p:nvSpPr>
+        <p:spPr>
+          <a:xfrm>
+            <a:off x="978694" y="3539702"/>
+            <a:ext cx="11210131" cy="424732"/>
+          </a:xfrm>
+          <a:prstGeom prst="rect">
+            <a:avLst/>
+          </a:prstGeom>
+        </p:spPr>
+        <p:txBody>
+          <a:bodyPr wrap="square">
+            <a:spAutoFit/>
+          </a:bodyPr>
+          <a:lstStyle>
+            <a:lvl1pPr marL="0" marR="0" indent="0" algn="l" defTabSz="932742" rtl="0" eaLnBrk="1" fontAlgn="auto" latinLnBrk="0" hangingPunct="1">
+              <a:lnSpc>
+                <a:spcPct val="90000"/>
+              </a:lnSpc>
+              <a:spcBef>
+                <a:spcPts val="0"/>
+              </a:spcBef>
+              <a:spcAft>
+                <a:spcPts val="0"/>
+              </a:spcAft>
+              <a:buClrTx/>
+              <a:buSzPct val="90000"/>
+              <a:buFont typeface="Arial" pitchFamily="34" charset="0"/>
+              <a:buNone/>
+              <a:tabLst/>
+              <a:defRPr sz="2400" kern="1200" spc="-70" baseline="0">
+                <a:solidFill>
+                  <a:schemeClr val="bg1"/>
+                </a:solidFill>
+                <a:latin typeface="+mj-lt"/>
+                <a:ea typeface="+mn-ea"/>
+                <a:cs typeface="+mn-cs"/>
+              </a:defRPr>
+            </a:lvl1pPr>
+            <a:lvl2pPr marL="584200" marR="0" indent="-241300" algn="l" defTabSz="932742" rtl="0" eaLnBrk="1" fontAlgn="auto" latinLnBrk="0" hangingPunct="1">
+              <a:lnSpc>
+                <a:spcPct val="90000"/>
+              </a:lnSpc>
+              <a:spcBef>
+                <a:spcPct val="20000"/>
+              </a:spcBef>
+              <a:spcAft>
+                <a:spcPts val="0"/>
+              </a:spcAft>
+              <a:buClrTx/>
+              <a:buSzPct val="90000"/>
+              <a:buFont typeface="Arial" pitchFamily="34" charset="0"/>
+              <a:buChar char="•"/>
+              <a:tabLst/>
+              <a:defRPr sz="2400" kern="1200" spc="0" baseline="0">
+                <a:gradFill>
+                  <a:gsLst>
+                    <a:gs pos="1250">
+                      <a:schemeClr val="tx1"/>
+                    </a:gs>
+                    <a:gs pos="100000">
+                      <a:schemeClr val="tx1"/>
+                    </a:gs>
+                  </a:gsLst>
+                  <a:lin ang="5400000" scaled="0"/>
+                </a:gradFill>
+                <a:latin typeface="+mn-lt"/>
+                <a:ea typeface="+mn-ea"/>
+                <a:cs typeface="+mn-cs"/>
+              </a:defRPr>
+            </a:lvl2pPr>
+            <a:lvl3pPr marL="800100" marR="0" indent="-228600" algn="l" defTabSz="932742" rtl="0" eaLnBrk="1" fontAlgn="auto" latinLnBrk="0" hangingPunct="1">
+              <a:lnSpc>
+                <a:spcPct val="90000"/>
+              </a:lnSpc>
+              <a:spcBef>
+                <a:spcPct val="20000"/>
+              </a:spcBef>
+              <a:spcAft>
+                <a:spcPts val="0"/>
+              </a:spcAft>
+              <a:buClrTx/>
+              <a:buSzPct val="90000"/>
+              <a:buFont typeface="Arial" pitchFamily="34" charset="0"/>
+              <a:buChar char="•"/>
+              <a:tabLst/>
+              <a:defRPr sz="2000" kern="1200" spc="0" baseline="0">
+                <a:gradFill>
+                  <a:gsLst>
+                    <a:gs pos="1250">
+                      <a:schemeClr val="tx1"/>
+                    </a:gs>
+                    <a:gs pos="100000">
+                      <a:schemeClr val="tx1"/>
+                    </a:gs>
+                  </a:gsLst>
+                  <a:lin ang="5400000" scaled="0"/>
+                </a:gradFill>
+                <a:latin typeface="+mn-lt"/>
+                <a:ea typeface="+mn-ea"/>
+                <a:cs typeface="+mn-cs"/>
+              </a:defRPr>
+            </a:lvl3pPr>
+            <a:lvl4pPr marL="1028700" marR="0" indent="-228600" algn="l" defTabSz="932742" rtl="0" eaLnBrk="1" fontAlgn="auto" latinLnBrk="0" hangingPunct="1">
+              <a:lnSpc>
+                <a:spcPct val="90000"/>
+              </a:lnSpc>
+              <a:spcBef>
+                <a:spcPct val="20000"/>
+              </a:spcBef>
+              <a:spcAft>
+                <a:spcPts val="0"/>
+              </a:spcAft>
+              <a:buClrTx/>
+              <a:buSzPct val="90000"/>
+              <a:buFont typeface="Arial" pitchFamily="34" charset="0"/>
+              <a:buChar char="•"/>
+              <a:tabLst/>
+              <a:defRPr sz="1800" kern="1200" spc="0" baseline="0">
+                <a:gradFill>
+                  <a:gsLst>
+                    <a:gs pos="1250">
+                      <a:schemeClr val="tx1"/>
+                    </a:gs>
+                    <a:gs pos="100000">
+                      <a:schemeClr val="tx1"/>
+                    </a:gs>
+                  </a:gsLst>
+                  <a:lin ang="5400000" scaled="0"/>
+                </a:gradFill>
+                <a:latin typeface="+mn-lt"/>
+                <a:ea typeface="+mn-ea"/>
+                <a:cs typeface="+mn-cs"/>
+              </a:defRPr>
+            </a:lvl4pPr>
+            <a:lvl5pPr marL="1257300" marR="0" indent="-228600" algn="l" defTabSz="932742" rtl="0" eaLnBrk="1" fontAlgn="auto" latinLnBrk="0" hangingPunct="1">
+              <a:lnSpc>
+                <a:spcPct val="90000"/>
+              </a:lnSpc>
+              <a:spcBef>
+                <a:spcPct val="20000"/>
+              </a:spcBef>
+              <a:spcAft>
+                <a:spcPts val="0"/>
+              </a:spcAft>
+              <a:buClrTx/>
+              <a:buSzPct val="90000"/>
+              <a:buFont typeface="Arial" pitchFamily="34" charset="0"/>
+              <a:buChar char="•"/>
+              <a:tabLst/>
+              <a:defRPr sz="1800" kern="1200" spc="0" baseline="0">
+                <a:gradFill>
+                  <a:gsLst>
+                    <a:gs pos="1250">
+                      <a:schemeClr val="tx1"/>
+                    </a:gs>
+                    <a:gs pos="100000">
+                      <a:schemeClr val="tx1"/>
+                    </a:gs>
+                  </a:gsLst>
+                  <a:lin ang="5400000" scaled="0"/>
+                </a:gradFill>
+                <a:latin typeface="+mn-lt"/>
+                <a:ea typeface="+mn-ea"/>
+                <a:cs typeface="+mn-cs"/>
+              </a:defRPr>
+            </a:lvl5pPr>
+            <a:lvl6pPr marL="2565040" indent="-233186" algn="l" defTabSz="932742" rtl="0" eaLnBrk="1" latinLnBrk="0" hangingPunct="1">
+              <a:spcBef>
+                <a:spcPct val="20000"/>
+              </a:spcBef>
+              <a:buFont typeface="Arial" pitchFamily="34" charset="0"/>
+              <a:buChar char="•"/>
+              <a:defRPr sz="2000" kern="1200">
+                <a:solidFill>
+                  <a:schemeClr val="tx1"/>
+                </a:solidFill>
+                <a:latin typeface="+mn-lt"/>
+                <a:ea typeface="+mn-ea"/>
+                <a:cs typeface="+mn-cs"/>
+              </a:defRPr>
+            </a:lvl6pPr>
+            <a:lvl7pPr marL="3031412" indent="-233186" algn="l" defTabSz="932742" rtl="0" eaLnBrk="1" latinLnBrk="0" hangingPunct="1">
+              <a:spcBef>
+                <a:spcPct val="20000"/>
+              </a:spcBef>
+              <a:buFont typeface="Arial" pitchFamily="34" charset="0"/>
+              <a:buChar char="•"/>
+              <a:defRPr sz="2000" kern="1200">
+                <a:solidFill>
+                  <a:schemeClr val="tx1"/>
+                </a:solidFill>
+                <a:latin typeface="+mn-lt"/>
+                <a:ea typeface="+mn-ea"/>
+                <a:cs typeface="+mn-cs"/>
+              </a:defRPr>
+            </a:lvl7pPr>
+            <a:lvl8pPr marL="3497783" indent="-233186" algn="l" defTabSz="932742" rtl="0" eaLnBrk="1" latinLnBrk="0" hangingPunct="1">
+              <a:spcBef>
+                <a:spcPct val="20000"/>
+              </a:spcBef>
+              <a:buFont typeface="Arial" pitchFamily="34" charset="0"/>
+              <a:buChar char="•"/>
+              <a:defRPr sz="2000" kern="1200">
+                <a:solidFill>
+                  <a:schemeClr val="tx1"/>
+                </a:solidFill>
+                <a:latin typeface="+mn-lt"/>
+                <a:ea typeface="+mn-ea"/>
+                <a:cs typeface="+mn-cs"/>
+              </a:defRPr>
+            </a:lvl8pPr>
+            <a:lvl9pPr marL="3964155" indent="-233186" algn="l" defTabSz="932742" rtl="0" eaLnBrk="1" latinLnBrk="0" hangingPunct="1">
+              <a:spcBef>
+                <a:spcPct val="20000"/>
+              </a:spcBef>
+              <a:buFont typeface="Arial" pitchFamily="34" charset="0"/>
+              <a:buChar char="•"/>
+              <a:defRPr sz="2000" kern="1200">
+                <a:solidFill>
+                  <a:schemeClr val="tx1"/>
+                </a:solidFill>
+                <a:latin typeface="+mn-lt"/>
+                <a:ea typeface="+mn-ea"/>
+                <a:cs typeface="+mn-cs"/>
+              </a:defRPr>
+            </a:lvl9pPr>
+          </a:lstStyle>
+          <a:p>
+            <a:pPr>
+              <a:defRPr/>
+            </a:pPr>
+            <a:r>
+              <a:rPr lang="en-US" altLang="zh-CN" dirty="0" err="1">
+                <a:solidFill>
+                  <a:srgbClr val="FFFFFF"/>
+                </a:solidFill>
+              </a:rPr>
+              <a:t>xxxxxx</a:t>
+            </a:r>
+            <a:endParaRPr lang="en-US" dirty="0">
+              <a:solidFill>
+                <a:srgbClr val="FFFFFF"/>
+              </a:solidFill>
+            </a:endParaRPr>
+          </a:p>
+        </p:txBody>
+      </p:sp>
+      <p:sp>
+        <p:nvSpPr>
+          <p:cNvPr id="8" name="Title 1"/>
+          <p:cNvSpPr txBox="1">
+            <a:spLocks/>
+          </p:cNvSpPr>
+          <p:nvPr/>
+        </p:nvSpPr>
+        <p:spPr>
+          <a:xfrm>
+            <a:off x="978694" y="2893566"/>
+            <a:ext cx="11210131" cy="646135"/>
+          </a:xfrm>
+          <a:prstGeom prst="rect">
+            <a:avLst/>
+          </a:prstGeom>
+        </p:spPr>
+        <p:txBody>
+          <a:bodyPr/>
+          <a:lstStyle>
+            <a:lvl1pPr algn="l" defTabSz="932742" rtl="0" eaLnBrk="1" latinLnBrk="0" hangingPunct="1">
+              <a:lnSpc>
+                <a:spcPct val="90000"/>
+              </a:lnSpc>
+              <a:spcBef>
+                <a:spcPct val="0"/>
+              </a:spcBef>
+              <a:buNone/>
+              <a:defRPr lang="en-US" sz="4200" b="0" kern="1200" cap="none" spc="-102" baseline="0">
+                <a:ln w="3175">
+                  <a:noFill/>
+                </a:ln>
+                <a:solidFill>
+                  <a:schemeClr val="bg1"/>
+                </a:solidFill>
+                <a:effectLst/>
+                <a:latin typeface="+mj-lt"/>
+                <a:ea typeface="+mn-ea"/>
+                <a:cs typeface="Segoe UI" pitchFamily="34" charset="0"/>
+              </a:defRPr>
+            </a:lvl1pPr>
+          </a:lstStyle>
+          <a:p>
+            <a:pPr>
+              <a:defRPr/>
+            </a:pPr>
+            <a:r>
+              <a:rPr dirty="0">
+                <a:solidFill>
+                  <a:srgbClr val="FFFFFF"/>
+                </a:solidFill>
+              </a:rPr>
+              <a:t>DEMO</a:t>
+            </a:r>
+          </a:p>
+        </p:txBody>
+      </p:sp>
+    </p:spTree>
+    <p:extLst>
+      <p:ext uri="{BB962C8B-B14F-4D97-AF65-F5344CB8AC3E}">
+        <p14:creationId xmlns:p14="http://schemas.microsoft.com/office/powerpoint/2010/main" val="3349303519"/>
+      </p:ext>
+    </p:extLst>
+  </p:cSld>
+  <p:clrMapOvr>
+    <a:masterClrMapping/>
+  </p:clrMapOvr>
+  <mc:AlternateContent xmlns:mc="http://schemas.openxmlformats.org/markup-compatibility/2006" xmlns:p14="http://schemas.microsoft.com/office/powerpoint/2010/main">
+    <mc:Choice Requires="p14">
+      <p:transition p14:dur="0"/>
+    </mc:Choice>
+    <mc:Fallback xmlns="">
+      <p:transition/>
+    </mc:Fallback>
+  </mc:AlternateContent>
+</p:sld>
+</file>
+
+<file path=ppt/slides/slide7.xml><?xml version="1.0" encoding="utf-8"?>
+<p:sld xmlns:a="http://schemas.openxmlformats.org/drawingml/2006/main" xmlns:r="http://schemas.openxmlformats.org/officeDocument/2006/relationships" xmlns:p="http://schemas.openxmlformats.org/presentationml/2006/main">
+  <p:cSld>
+    <p:spTree>
+      <p:nvGrpSpPr>
+        <p:cNvPr id="1" name=""/>
+        <p:cNvGrpSpPr/>
+        <p:nvPr/>
+      </p:nvGrpSpPr>
+      <p:grpSpPr>
+        <a:xfrm>
+          <a:off x="0" y="0"/>
+          <a:ext cx="0" cy="0"/>
+          <a:chOff x="0" y="0"/>
+          <a:chExt cx="0" cy="0"/>
+        </a:xfrm>
+      </p:grpSpPr>
+      <p:sp>
+        <p:nvSpPr>
+          <p:cNvPr id="4" name="Text Placeholder 3"/>
+          <p:cNvSpPr>
+            <a:spLocks noGrp="1"/>
+          </p:cNvSpPr>
+          <p:nvPr>
+            <p:ph type="body" sz="quarter" idx="13"/>
+          </p:nvPr>
+        </p:nvSpPr>
+        <p:spPr/>
+        <p:txBody>
+          <a:bodyPr/>
+          <a:lstStyle/>
+          <a:p>
+            <a:endParaRPr lang="en-US"/>
+          </a:p>
+        </p:txBody>
+      </p:sp>
+      <p:sp>
+        <p:nvSpPr>
+          <p:cNvPr id="3" name="Title 2"/>
+          <p:cNvSpPr>
+            <a:spLocks noGrp="1"/>
+          </p:cNvSpPr>
+          <p:nvPr>
+            <p:ph type="title"/>
+          </p:nvPr>
+        </p:nvSpPr>
+        <p:spPr>
+          <a:xfrm>
+            <a:off x="469401" y="3083907"/>
+            <a:ext cx="6892100" cy="1772793"/>
+          </a:xfrm>
+        </p:spPr>
+        <p:txBody>
+          <a:bodyPr/>
+          <a:lstStyle/>
+          <a:p>
+            <a:r>
+              <a:rPr lang="zh-CN" altLang="en-US" dirty="0"/>
+              <a:t>挑战第二关</a:t>
+            </a:r>
+            <a:br>
+              <a:rPr lang="en-US" altLang="zh-CN" dirty="0"/>
+            </a:br>
+            <a:r>
+              <a:rPr lang="zh-CN" altLang="en-US" sz="4400" spc="0" dirty="0"/>
+              <a:t>微软智能对话机器人</a:t>
+            </a:r>
+            <a:br>
+              <a:rPr lang="en-US" altLang="zh-CN" dirty="0"/>
+            </a:br>
+            <a:endParaRPr lang="en-US" dirty="0"/>
+          </a:p>
+        </p:txBody>
+      </p:sp>
+    </p:spTree>
+    <p:extLst>
+      <p:ext uri="{BB962C8B-B14F-4D97-AF65-F5344CB8AC3E}">
+        <p14:creationId xmlns:p14="http://schemas.microsoft.com/office/powerpoint/2010/main" val="3093876024"/>
+      </p:ext>
+    </p:extLst>
+  </p:cSld>
+  <p:clrMapOvr>
+    <a:masterClrMapping/>
+  </p:clrMapOvr>
+  <mc:AlternateContent xmlns:mc="http://schemas.openxmlformats.org/markup-compatibility/2006" xmlns:p14="http://schemas.microsoft.com/office/powerpoint/2010/main">
+    <mc:Choice Requires="p14">
+      <p:transition spd="slow" p14:dur="3400">
+        <p14:reveal/>
+      </p:transition>
+    </mc:Choice>
+    <mc:Fallback xmlns="">
+      <p:transition spd="slow">
+        <p:fade/>
+      </p:transition>
+    </mc:Fallback>
+  </mc:AlternateContent>
+</p:sld>
+</file>
+
+<file path=ppt/slides/slide8.xml><?xml version="1.0" encoding="utf-8"?>
+<p:sld xmlns:a="http://schemas.openxmlformats.org/drawingml/2006/main" xmlns:r="http://schemas.openxmlformats.org/officeDocument/2006/relationships" xmlns:p="http://schemas.openxmlformats.org/presentationml/2006/main">
+  <p:cSld>
+    <p:spTree>
+      <p:nvGrpSpPr>
+        <p:cNvPr id="1" name=""/>
+        <p:cNvGrpSpPr/>
+        <p:nvPr/>
+      </p:nvGrpSpPr>
+      <p:grpSpPr>
+        <a:xfrm>
+          <a:off x="0" y="0"/>
+          <a:ext cx="0" cy="0"/>
+          <a:chOff x="0" y="0"/>
+          <a:chExt cx="0" cy="0"/>
+        </a:xfrm>
+      </p:grpSpPr>
+      <p:sp>
+        <p:nvSpPr>
+          <p:cNvPr id="5" name="Text Placeholder 4"/>
+          <p:cNvSpPr>
+            <a:spLocks noGrp="1"/>
+          </p:cNvSpPr>
+          <p:nvPr>
+            <p:ph type="body" sz="quarter" idx="10"/>
+          </p:nvPr>
+        </p:nvSpPr>
+        <p:spPr>
+          <a:xfrm>
+            <a:off x="519112" y="1088982"/>
+            <a:ext cx="11149013" cy="526298"/>
+          </a:xfrm>
+        </p:spPr>
+        <p:txBody>
+          <a:bodyPr/>
+          <a:lstStyle/>
+          <a:p>
+            <a:endParaRPr lang="en-US" dirty="0"/>
+          </a:p>
+        </p:txBody>
+      </p:sp>
+      <p:sp>
+        <p:nvSpPr>
+          <p:cNvPr id="4" name="Title 3"/>
+          <p:cNvSpPr>
+            <a:spLocks noGrp="1"/>
+          </p:cNvSpPr>
+          <p:nvPr>
+            <p:ph type="title"/>
+          </p:nvPr>
+        </p:nvSpPr>
+        <p:spPr/>
+        <p:txBody>
+          <a:bodyPr/>
+          <a:lstStyle/>
+          <a:p>
+            <a:r>
+              <a:rPr lang="zh-CN" altLang="en-US" dirty="0"/>
+              <a:t>应用场景：</a:t>
+            </a:r>
+            <a:endParaRPr lang="en-US" dirty="0"/>
+          </a:p>
+        </p:txBody>
+      </p:sp>
+    </p:spTree>
+    <p:extLst>
+      <p:ext uri="{BB962C8B-B14F-4D97-AF65-F5344CB8AC3E}">
+        <p14:creationId xmlns:p14="http://schemas.microsoft.com/office/powerpoint/2010/main" val="2159804127"/>
+      </p:ext>
+    </p:extLst>
+  </p:cSld>
+  <p:clrMapOvr>
+    <a:masterClrMapping/>
+  </p:clrMapOvr>
+  <p:transition>
+    <p:fade/>
+  </p:transition>
+</p:sld>
+</file>
+
+<file path=ppt/slides/slide9.xml><?xml version="1.0" encoding="utf-8"?>
+<p:sld xmlns:a="http://schemas.openxmlformats.org/drawingml/2006/main" xmlns:r="http://schemas.openxmlformats.org/officeDocument/2006/relationships" xmlns:p="http://schemas.openxmlformats.org/presentationml/2006/main">
+  <p:cSld>
+    <p:spTree>
+      <p:nvGrpSpPr>
+        <p:cNvPr id="1" name=""/>
+        <p:cNvGrpSpPr/>
+        <p:nvPr/>
+      </p:nvGrpSpPr>
+      <p:grpSpPr>
+        <a:xfrm>
+          <a:off x="0" y="0"/>
+          <a:ext cx="0" cy="0"/>
+          <a:chOff x="0" y="0"/>
+          <a:chExt cx="0" cy="0"/>
+        </a:xfrm>
+      </p:grpSpPr>
+      <p:sp>
+        <p:nvSpPr>
+          <p:cNvPr id="2" name="Title 1"/>
+          <p:cNvSpPr>
+            <a:spLocks noGrp="1"/>
+          </p:cNvSpPr>
+          <p:nvPr>
+            <p:ph type="title"/>
+          </p:nvPr>
+        </p:nvSpPr>
+        <p:spPr/>
+        <p:txBody>
+          <a:bodyPr/>
+          <a:lstStyle/>
+          <a:p>
+            <a:r>
+              <a:rPr lang="zh-CN" altLang="en-US" dirty="0"/>
+              <a:t>设计功能</a:t>
+            </a:r>
+            <a:endParaRPr lang="en-US" dirty="0"/>
+          </a:p>
+        </p:txBody>
+      </p:sp>
+    </p:spTree>
+    <p:extLst>
+      <p:ext uri="{BB962C8B-B14F-4D97-AF65-F5344CB8AC3E}">
+        <p14:creationId xmlns:p14="http://schemas.microsoft.com/office/powerpoint/2010/main" val="470859669"/>
+      </p:ext>
+    </p:extLst>
+  </p:cSld>
+  <p:clrMapOvr>
+    <a:masterClrMapping/>
+  </p:clrMapOvr>
+  <p:transition>
+    <p:fade/>
+  </p:transition>
 </p:sld>
 </file>
 
@@ -19133,180 +20191,12 @@
 </file>
 
 <file path=customXml/item1.xml><?xml version="1.0" encoding="utf-8"?>
-<p:properties xmlns:p="http://schemas.microsoft.com/office/2006/metadata/properties" xmlns:xsi="http://www.w3.org/2001/XMLSchema-instance" xmlns:pc="http://schemas.microsoft.com/office/infopath/2007/PartnerControls">
-  <documentManagement>
-    <DocumentDescription xmlns="230e9df3-be65-4c73-a93b-d1236ebd677e">Visual Studio Enterprise Overview</DocumentDescription>
-    <hd9637eefc984b85b6097c6374e15725 xmlns="230e9df3-be65-4c73-a93b-d1236ebd677e">
-      <Terms xmlns="http://schemas.microsoft.com/office/infopath/2007/PartnerControls">
-        <TermInfo xmlns="http://schemas.microsoft.com/office/infopath/2007/PartnerControls">
-          <TermName xmlns="http://schemas.microsoft.com/office/infopath/2007/PartnerControls">overview articles</TermName>
-          <TermId xmlns="http://schemas.microsoft.com/office/infopath/2007/PartnerControls">44a91bc1-0390-48f1-8f35-2950d2160348</TermId>
-        </TermInfo>
-        <TermInfo xmlns="http://schemas.microsoft.com/office/infopath/2007/PartnerControls">
-          <TermName xmlns="http://schemas.microsoft.com/office/infopath/2007/PartnerControls">feedback requests</TermName>
-          <TermId xmlns="http://schemas.microsoft.com/office/infopath/2007/PartnerControls">00ce1828-98a3-430e-af54-eda270e1be04</TermId>
-        </TermInfo>
-      </Terms>
-    </hd9637eefc984b85b6097c6374e15725>
-    <k20e0dfa74bf4e44818db03027b0ccd8 xmlns="230e9df3-be65-4c73-a93b-d1236ebd677e">
-      <Terms xmlns="http://schemas.microsoft.com/office/infopath/2007/PartnerControls"/>
-    </k20e0dfa74bf4e44818db03027b0ccd8>
-    <od9986d31974458fb3007746ec0bce5f xmlns="230e9df3-be65-4c73-a93b-d1236ebd677e">
-      <Terms xmlns="http://schemas.microsoft.com/office/infopath/2007/PartnerControls"/>
-    </od9986d31974458fb3007746ec0bce5f>
-    <Owner xmlns="230e9df3-be65-4c73-a93b-d1236ebd677e">
-      <UserInfo>
-        <DisplayName>James Rice</DisplayName>
-        <AccountId>584</AccountId>
-        <AccountType/>
-      </UserInfo>
-    </Owner>
-    <k21a64daf20d4502b2796a1c6b8ce6c8 xmlns="230e9df3-be65-4c73-a93b-d1236ebd677e">
-      <Terms xmlns="http://schemas.microsoft.com/office/infopath/2007/PartnerControls"/>
-    </k21a64daf20d4502b2796a1c6b8ce6c8>
-    <l3c3ea61849e4288a8acc49bb5388e8c xmlns="230e9df3-be65-4c73-a93b-d1236ebd677e">
-      <Terms xmlns="http://schemas.microsoft.com/office/infopath/2007/PartnerControls">
-        <TermInfo xmlns="http://schemas.microsoft.com/office/infopath/2007/PartnerControls">
-          <TermName xmlns="http://schemas.microsoft.com/office/infopath/2007/PartnerControls">Developer Platform and Tools Marketing</TermName>
-          <TermId xmlns="http://schemas.microsoft.com/office/infopath/2007/PartnerControls">b117718f-aa6c-411f-b6a8-3da180b0b2c7</TermId>
-        </TermInfo>
-      </Terms>
-    </l3c3ea61849e4288a8acc49bb5388e8c>
-    <ConfidentialityTaxHTField0 xmlns="230e9df3-be65-4c73-a93b-d1236ebd677e">
-      <Terms xmlns="http://schemas.microsoft.com/office/infopath/2007/PartnerControls">
-        <TermInfo xmlns="http://schemas.microsoft.com/office/infopath/2007/PartnerControls">
-          <TermName xmlns="http://schemas.microsoft.com/office/infopath/2007/PartnerControls">Microsoft confidential</TermName>
-          <TermId xmlns="http://schemas.microsoft.com/office/infopath/2007/PartnerControls">461efa83-0283-486a-a8d5-943328f3693f</TermId>
-        </TermInfo>
-      </Terms>
-    </ConfidentialityTaxHTField0>
-    <eb54ac91059940029a3cc8a4ff5af673 xmlns="230e9df3-be65-4c73-a93b-d1236ebd677e">
-      <Terms xmlns="http://schemas.microsoft.com/office/infopath/2007/PartnerControls">
-        <TermInfo xmlns="http://schemas.microsoft.com/office/infopath/2007/PartnerControls">
-          <TermName xmlns="http://schemas.microsoft.com/office/infopath/2007/PartnerControls">Cloud and Enterprise</TermName>
-          <TermId xmlns="http://schemas.microsoft.com/office/infopath/2007/PartnerControls">adc2fe87-c79a-4ded-a449-3f86b954069d</TermId>
-        </TermInfo>
-        <TermInfo xmlns="http://schemas.microsoft.com/office/infopath/2007/PartnerControls">
-          <TermName xmlns="http://schemas.microsoft.com/office/infopath/2007/PartnerControls">Developer Tools Domain</TermName>
-          <TermId xmlns="http://schemas.microsoft.com/office/infopath/2007/PartnerControls">58c4098f-5b04-404d-a0e5-4dc5be632145</TermId>
-        </TermInfo>
-      </Terms>
-    </eb54ac91059940029a3cc8a4ff5af673>
-    <PublishingPageContent xmlns="http://schemas.microsoft.com/sharepoint/v3" xsi:nil="true"/>
-    <ef109fd36bcf4bcd9dd945731030600b xmlns="230e9df3-be65-4c73-a93b-d1236ebd677e">
-      <Terms xmlns="http://schemas.microsoft.com/office/infopath/2007/PartnerControls"/>
-    </ef109fd36bcf4bcd9dd945731030600b>
-    <ec5b2ad5c27b45fb8a00a1f27c7ce1ae xmlns="230e9df3-be65-4c73-a93b-d1236ebd677e">
-      <Terms xmlns="http://schemas.microsoft.com/office/infopath/2007/PartnerControls"/>
-    </ec5b2ad5c27b45fb8a00a1f27c7ce1ae>
-    <bf80e81150e248c48aa8cffdf0021a1f xmlns="230e9df3-be65-4c73-a93b-d1236ebd677e">
-      <Terms xmlns="http://schemas.microsoft.com/office/infopath/2007/PartnerControls">
-        <TermInfo xmlns="http://schemas.microsoft.com/office/infopath/2007/PartnerControls">
-          <TermName xmlns="http://schemas.microsoft.com/office/infopath/2007/PartnerControls">software development tools</TermName>
-          <TermId xmlns="http://schemas.microsoft.com/office/infopath/2007/PartnerControls">24853bda-fb66-4716-8bc8-88d26fdb57cb</TermId>
-        </TermInfo>
-      </Terms>
-    </bf80e81150e248c48aa8cffdf0021a1f>
-    <m6d26e40ac264097a006193f92232ece xmlns="230e9df3-be65-4c73-a93b-d1236ebd677e">
-      <Terms xmlns="http://schemas.microsoft.com/office/infopath/2007/PartnerControls"/>
-    </m6d26e40ac264097a006193f92232ece>
-    <b60f8d2dbb984f349d80d8196897f4d3 xmlns="230e9df3-be65-4c73-a93b-d1236ebd677e">
-      <Terms xmlns="http://schemas.microsoft.com/office/infopath/2007/PartnerControls"/>
-    </b60f8d2dbb984f349d80d8196897f4d3>
-    <Thumbnail1 xmlns="230e9df3-be65-4c73-a93b-d1236ebd677e">
-      <Url xsi:nil="true"/>
-      <Description xsi:nil="true"/>
-    </Thumbnail1>
-    <i0d941ee1e744ffea7aeee9924c91cbb xmlns="230e9df3-be65-4c73-a93b-d1236ebd677e">
-      <Terms xmlns="http://schemas.microsoft.com/office/infopath/2007/PartnerControls"/>
-    </i0d941ee1e744ffea7aeee9924c91cbb>
-    <PublishingExpirationDate xmlns="http://schemas.microsoft.com/sharepoint/v3" xsi:nil="true"/>
-    <RoutingRuleDescription xmlns="http://schemas.microsoft.com/sharepoint/v3" xsi:nil="true"/>
-    <i1b478372f814787abd313030b81fcb2 xmlns="230e9df3-be65-4c73-a93b-d1236ebd677e">
-      <Terms xmlns="http://schemas.microsoft.com/office/infopath/2007/PartnerControls"/>
-    </i1b478372f814787abd313030b81fcb2>
-    <TaxKeywordTaxHTField xmlns="230e9df3-be65-4c73-a93b-d1236ebd677e">
-      <Terms xmlns="http://schemas.microsoft.com/office/infopath/2007/PartnerControls"/>
-    </TaxKeywordTaxHTField>
-    <TaxCatchAll xmlns="230e9df3-be65-4c73-a93b-d1236ebd677e">
-      <Value>5</Value>
-      <Value>30</Value>
-      <Value>430</Value>
-      <Value>351</Value>
-      <Value>348</Value>
-      <Value>346</Value>
-      <Value>345</Value>
-      <Value>21</Value>
-    </TaxCatchAll>
-    <mb88723863e1404388ba3733387d48df xmlns="230e9df3-be65-4c73-a93b-d1236ebd677e">
-      <Terms xmlns="http://schemas.microsoft.com/office/infopath/2007/PartnerControls"/>
-    </mb88723863e1404388ba3733387d48df>
-    <kf34bcdc8fc34e479d3f94c6210e8e27 xmlns="230e9df3-be65-4c73-a93b-d1236ebd677e">
-      <Terms xmlns="http://schemas.microsoft.com/office/infopath/2007/PartnerControls"/>
-    </kf34bcdc8fc34e479d3f94c6210e8e27>
-    <m6c7b4717b6346e6a075a59dd47eac69 xmlns="230e9df3-be65-4c73-a93b-d1236ebd677e">
-      <Terms xmlns="http://schemas.microsoft.com/office/infopath/2007/PartnerControls">
-        <TermInfo xmlns="http://schemas.microsoft.com/office/infopath/2007/PartnerControls">
-          <TermName xmlns="http://schemas.microsoft.com/office/infopath/2007/PartnerControls">hub subset</TermName>
-          <TermId xmlns="http://schemas.microsoft.com/office/infopath/2007/PartnerControls">c6bfd112-b986-4a0a-aa8d-90e767bfdfa6</TermId>
-        </TermInfo>
-      </Terms>
-    </m6c7b4717b6346e6a075a59dd47eac69>
-    <_dlc_DocId xmlns="230e9df3-be65-4c73-a93b-d1236ebd677e">G01KC-99682991-12657</_dlc_DocId>
-    <_dlc_DocIdUrl xmlns="230e9df3-be65-4c73-a93b-d1236ebd677e">
-      <Url>https://microsoft.sharepoint.com/sites/Infopedia_G01KC/_layouts/15/DocIdRedir.aspx?ID=G01KC-99682991-12657</Url>
-      <Description>G01KC-99682991-12657</Description>
-    </_dlc_DocIdUrl>
-    <AverageRating xmlns="http://schemas.microsoft.com/sharepoint/v3" xsi:nil="true"/>
-    <ApplyWorkflowRules xmlns="230E9DF3-BE65-4C73-A93B-D1236EBD677E">No</ApplyWorkflowRules>
-    <PublishDate xmlns="230E9DF3-BE65-4C73-A93B-D1236EBD677E" xsi:nil="true"/>
-    <Blog_x0020_Name xmlns="230e9df3-be65-4c73-a93b-d1236ebd677e" xsi:nil="true"/>
-    <ContentID xmlns="230e9df3-be65-4c73-a93b-d1236ebd677e">KC02-23-85794</ContentID>
-    <Coowner xmlns="230e9df3-be65-4c73-a93b-d1236ebd677e">
-      <UserInfo>
-        <DisplayName>i:0#.f|membership|v-adbors@microsoft.com</DisplayName>
-        <AccountId>512</AccountId>
-        <AccountType/>
-      </UserInfo>
-      <UserInfo>
-        <DisplayName>i:0#.f|membership|v-anmarv@microsoft.com</DisplayName>
-        <AccountId>45</AccountId>
-        <AccountType/>
-      </UserInfo>
-      <UserInfo>
-        <DisplayName>i:0#.f|membership|v-danaja@microsoft.com</DisplayName>
-        <AccountId>176</AccountId>
-        <AccountType/>
-      </UserInfo>
-      <UserInfo>
-        <DisplayName>i:0#.f|membership|erehrlic@microsoft.com</DisplayName>
-        <AccountId>585</AccountId>
-        <AccountType/>
-      </UserInfo>
-    </Coowner>
-    <RatingCount xmlns="http://schemas.microsoft.com/sharepoint/v3" xsi:nil="true"/>
-    <ReportOwner xmlns="http://schemas.microsoft.com/sharepoint/v3">
-      <UserInfo>
-        <DisplayName/>
-        <AccountId xsi:nil="true"/>
-        <AccountType/>
-      </UserInfo>
-    </ReportOwner>
-    <b4224c12c78d42ea9b214de0badf8358 xmlns="230e9df3-be65-4c73-a93b-d1236ebd677e">
-      <Terms xmlns="http://schemas.microsoft.com/office/infopath/2007/PartnerControls"/>
-    </b4224c12c78d42ea9b214de0badf8358>
-    <GenericHTML1 xmlns="230e9df3-be65-4c73-a93b-d1236ebd677e" xsi:nil="true"/>
-    <GenericText2 xmlns="230e9df3-be65-4c73-a93b-d1236ebd677e">G01KC-1-5013 KC02-23-83134</GenericText2>
-    <Update_x0020_Parent_x0020_Child_x0020_Relation_x0028_1_x0029_0 xmlns="b3bc04a5-d503-43b1-b98c-a8cf663329d9">
-      <Url xsi:nil="true"/>
-      <Description xsi:nil="true"/>
-    </Update_x0020_Parent_x0020_Child_x0020_Relation_x0028_1_x0029_0>
-    <_ip_UnifiedCompliancePolicyUIAction xmlns="http://schemas.microsoft.com/sharepoint/v3" xsi:nil="true"/>
-    <_ip_UnifiedCompliancePolicyProperties xmlns="http://schemas.microsoft.com/sharepoint/v3" xsi:nil="true"/>
-    <LastSharedByUser xmlns="2478d1b8-79bf-461f-b8e8-704d21601f1a">chgordha@microsoft.com</LastSharedByUser>
-    <LastSharedByTime xmlns="2478d1b8-79bf-461f-b8e8-704d21601f1a">2016-10-05T22:56:15+00:00</LastSharedByTime>
-  </documentManagement>
-</p:properties>
+<?mso-contentType ?>
+<FormTemplates xmlns="http://schemas.microsoft.com/sharepoint/v3/contenttype/forms">
+  <Display>DocumentLibraryForm</Display>
+  <Edit>DocumentLibraryForm</Edit>
+  <New>DocumentLibraryForm</New>
+</FormTemplates>
 </file>
 
 <file path=customXml/item2.xml><?xml version="1.0" encoding="utf-8"?>
@@ -19848,20 +20738,183 @@
 </file>
 
 <file path=customXml/item3.xml><?xml version="1.0" encoding="utf-8"?>
-<?mso-contentType ?>
-<FormTemplates xmlns="http://schemas.microsoft.com/sharepoint/v3/contenttype/forms">
-  <Display>DocumentLibraryForm</Display>
-  <Edit>DocumentLibraryForm</Edit>
-  <New>DocumentLibraryForm</New>
-</FormTemplates>
+<p:properties xmlns:p="http://schemas.microsoft.com/office/2006/metadata/properties" xmlns:xsi="http://www.w3.org/2001/XMLSchema-instance" xmlns:pc="http://schemas.microsoft.com/office/infopath/2007/PartnerControls">
+  <documentManagement>
+    <DocumentDescription xmlns="230e9df3-be65-4c73-a93b-d1236ebd677e">Visual Studio Enterprise Overview</DocumentDescription>
+    <hd9637eefc984b85b6097c6374e15725 xmlns="230e9df3-be65-4c73-a93b-d1236ebd677e">
+      <Terms xmlns="http://schemas.microsoft.com/office/infopath/2007/PartnerControls">
+        <TermInfo xmlns="http://schemas.microsoft.com/office/infopath/2007/PartnerControls">
+          <TermName xmlns="http://schemas.microsoft.com/office/infopath/2007/PartnerControls">overview articles</TermName>
+          <TermId xmlns="http://schemas.microsoft.com/office/infopath/2007/PartnerControls">44a91bc1-0390-48f1-8f35-2950d2160348</TermId>
+        </TermInfo>
+        <TermInfo xmlns="http://schemas.microsoft.com/office/infopath/2007/PartnerControls">
+          <TermName xmlns="http://schemas.microsoft.com/office/infopath/2007/PartnerControls">feedback requests</TermName>
+          <TermId xmlns="http://schemas.microsoft.com/office/infopath/2007/PartnerControls">00ce1828-98a3-430e-af54-eda270e1be04</TermId>
+        </TermInfo>
+      </Terms>
+    </hd9637eefc984b85b6097c6374e15725>
+    <k20e0dfa74bf4e44818db03027b0ccd8 xmlns="230e9df3-be65-4c73-a93b-d1236ebd677e">
+      <Terms xmlns="http://schemas.microsoft.com/office/infopath/2007/PartnerControls"/>
+    </k20e0dfa74bf4e44818db03027b0ccd8>
+    <od9986d31974458fb3007746ec0bce5f xmlns="230e9df3-be65-4c73-a93b-d1236ebd677e">
+      <Terms xmlns="http://schemas.microsoft.com/office/infopath/2007/PartnerControls"/>
+    </od9986d31974458fb3007746ec0bce5f>
+    <Owner xmlns="230e9df3-be65-4c73-a93b-d1236ebd677e">
+      <UserInfo>
+        <DisplayName>James Rice</DisplayName>
+        <AccountId>584</AccountId>
+        <AccountType/>
+      </UserInfo>
+    </Owner>
+    <k21a64daf20d4502b2796a1c6b8ce6c8 xmlns="230e9df3-be65-4c73-a93b-d1236ebd677e">
+      <Terms xmlns="http://schemas.microsoft.com/office/infopath/2007/PartnerControls"/>
+    </k21a64daf20d4502b2796a1c6b8ce6c8>
+    <l3c3ea61849e4288a8acc49bb5388e8c xmlns="230e9df3-be65-4c73-a93b-d1236ebd677e">
+      <Terms xmlns="http://schemas.microsoft.com/office/infopath/2007/PartnerControls">
+        <TermInfo xmlns="http://schemas.microsoft.com/office/infopath/2007/PartnerControls">
+          <TermName xmlns="http://schemas.microsoft.com/office/infopath/2007/PartnerControls">Developer Platform and Tools Marketing</TermName>
+          <TermId xmlns="http://schemas.microsoft.com/office/infopath/2007/PartnerControls">b117718f-aa6c-411f-b6a8-3da180b0b2c7</TermId>
+        </TermInfo>
+      </Terms>
+    </l3c3ea61849e4288a8acc49bb5388e8c>
+    <ConfidentialityTaxHTField0 xmlns="230e9df3-be65-4c73-a93b-d1236ebd677e">
+      <Terms xmlns="http://schemas.microsoft.com/office/infopath/2007/PartnerControls">
+        <TermInfo xmlns="http://schemas.microsoft.com/office/infopath/2007/PartnerControls">
+          <TermName xmlns="http://schemas.microsoft.com/office/infopath/2007/PartnerControls">Microsoft confidential</TermName>
+          <TermId xmlns="http://schemas.microsoft.com/office/infopath/2007/PartnerControls">461efa83-0283-486a-a8d5-943328f3693f</TermId>
+        </TermInfo>
+      </Terms>
+    </ConfidentialityTaxHTField0>
+    <eb54ac91059940029a3cc8a4ff5af673 xmlns="230e9df3-be65-4c73-a93b-d1236ebd677e">
+      <Terms xmlns="http://schemas.microsoft.com/office/infopath/2007/PartnerControls">
+        <TermInfo xmlns="http://schemas.microsoft.com/office/infopath/2007/PartnerControls">
+          <TermName xmlns="http://schemas.microsoft.com/office/infopath/2007/PartnerControls">Cloud and Enterprise</TermName>
+          <TermId xmlns="http://schemas.microsoft.com/office/infopath/2007/PartnerControls">adc2fe87-c79a-4ded-a449-3f86b954069d</TermId>
+        </TermInfo>
+        <TermInfo xmlns="http://schemas.microsoft.com/office/infopath/2007/PartnerControls">
+          <TermName xmlns="http://schemas.microsoft.com/office/infopath/2007/PartnerControls">Developer Tools Domain</TermName>
+          <TermId xmlns="http://schemas.microsoft.com/office/infopath/2007/PartnerControls">58c4098f-5b04-404d-a0e5-4dc5be632145</TermId>
+        </TermInfo>
+      </Terms>
+    </eb54ac91059940029a3cc8a4ff5af673>
+    <PublishingPageContent xmlns="http://schemas.microsoft.com/sharepoint/v3" xsi:nil="true"/>
+    <ef109fd36bcf4bcd9dd945731030600b xmlns="230e9df3-be65-4c73-a93b-d1236ebd677e">
+      <Terms xmlns="http://schemas.microsoft.com/office/infopath/2007/PartnerControls"/>
+    </ef109fd36bcf4bcd9dd945731030600b>
+    <ec5b2ad5c27b45fb8a00a1f27c7ce1ae xmlns="230e9df3-be65-4c73-a93b-d1236ebd677e">
+      <Terms xmlns="http://schemas.microsoft.com/office/infopath/2007/PartnerControls"/>
+    </ec5b2ad5c27b45fb8a00a1f27c7ce1ae>
+    <bf80e81150e248c48aa8cffdf0021a1f xmlns="230e9df3-be65-4c73-a93b-d1236ebd677e">
+      <Terms xmlns="http://schemas.microsoft.com/office/infopath/2007/PartnerControls">
+        <TermInfo xmlns="http://schemas.microsoft.com/office/infopath/2007/PartnerControls">
+          <TermName xmlns="http://schemas.microsoft.com/office/infopath/2007/PartnerControls">software development tools</TermName>
+          <TermId xmlns="http://schemas.microsoft.com/office/infopath/2007/PartnerControls">24853bda-fb66-4716-8bc8-88d26fdb57cb</TermId>
+        </TermInfo>
+      </Terms>
+    </bf80e81150e248c48aa8cffdf0021a1f>
+    <m6d26e40ac264097a006193f92232ece xmlns="230e9df3-be65-4c73-a93b-d1236ebd677e">
+      <Terms xmlns="http://schemas.microsoft.com/office/infopath/2007/PartnerControls"/>
+    </m6d26e40ac264097a006193f92232ece>
+    <b60f8d2dbb984f349d80d8196897f4d3 xmlns="230e9df3-be65-4c73-a93b-d1236ebd677e">
+      <Terms xmlns="http://schemas.microsoft.com/office/infopath/2007/PartnerControls"/>
+    </b60f8d2dbb984f349d80d8196897f4d3>
+    <Thumbnail1 xmlns="230e9df3-be65-4c73-a93b-d1236ebd677e">
+      <Url xsi:nil="true"/>
+      <Description xsi:nil="true"/>
+    </Thumbnail1>
+    <i0d941ee1e744ffea7aeee9924c91cbb xmlns="230e9df3-be65-4c73-a93b-d1236ebd677e">
+      <Terms xmlns="http://schemas.microsoft.com/office/infopath/2007/PartnerControls"/>
+    </i0d941ee1e744ffea7aeee9924c91cbb>
+    <PublishingExpirationDate xmlns="http://schemas.microsoft.com/sharepoint/v3" xsi:nil="true"/>
+    <RoutingRuleDescription xmlns="http://schemas.microsoft.com/sharepoint/v3" xsi:nil="true"/>
+    <i1b478372f814787abd313030b81fcb2 xmlns="230e9df3-be65-4c73-a93b-d1236ebd677e">
+      <Terms xmlns="http://schemas.microsoft.com/office/infopath/2007/PartnerControls"/>
+    </i1b478372f814787abd313030b81fcb2>
+    <TaxKeywordTaxHTField xmlns="230e9df3-be65-4c73-a93b-d1236ebd677e">
+      <Terms xmlns="http://schemas.microsoft.com/office/infopath/2007/PartnerControls"/>
+    </TaxKeywordTaxHTField>
+    <TaxCatchAll xmlns="230e9df3-be65-4c73-a93b-d1236ebd677e">
+      <Value>5</Value>
+      <Value>30</Value>
+      <Value>430</Value>
+      <Value>351</Value>
+      <Value>348</Value>
+      <Value>346</Value>
+      <Value>345</Value>
+      <Value>21</Value>
+    </TaxCatchAll>
+    <mb88723863e1404388ba3733387d48df xmlns="230e9df3-be65-4c73-a93b-d1236ebd677e">
+      <Terms xmlns="http://schemas.microsoft.com/office/infopath/2007/PartnerControls"/>
+    </mb88723863e1404388ba3733387d48df>
+    <kf34bcdc8fc34e479d3f94c6210e8e27 xmlns="230e9df3-be65-4c73-a93b-d1236ebd677e">
+      <Terms xmlns="http://schemas.microsoft.com/office/infopath/2007/PartnerControls"/>
+    </kf34bcdc8fc34e479d3f94c6210e8e27>
+    <m6c7b4717b6346e6a075a59dd47eac69 xmlns="230e9df3-be65-4c73-a93b-d1236ebd677e">
+      <Terms xmlns="http://schemas.microsoft.com/office/infopath/2007/PartnerControls">
+        <TermInfo xmlns="http://schemas.microsoft.com/office/infopath/2007/PartnerControls">
+          <TermName xmlns="http://schemas.microsoft.com/office/infopath/2007/PartnerControls">hub subset</TermName>
+          <TermId xmlns="http://schemas.microsoft.com/office/infopath/2007/PartnerControls">c6bfd112-b986-4a0a-aa8d-90e767bfdfa6</TermId>
+        </TermInfo>
+      </Terms>
+    </m6c7b4717b6346e6a075a59dd47eac69>
+    <_dlc_DocId xmlns="230e9df3-be65-4c73-a93b-d1236ebd677e">G01KC-99682991-12657</_dlc_DocId>
+    <_dlc_DocIdUrl xmlns="230e9df3-be65-4c73-a93b-d1236ebd677e">
+      <Url>https://microsoft.sharepoint.com/sites/Infopedia_G01KC/_layouts/15/DocIdRedir.aspx?ID=G01KC-99682991-12657</Url>
+      <Description>G01KC-99682991-12657</Description>
+    </_dlc_DocIdUrl>
+    <AverageRating xmlns="http://schemas.microsoft.com/sharepoint/v3" xsi:nil="true"/>
+    <ApplyWorkflowRules xmlns="230E9DF3-BE65-4C73-A93B-D1236EBD677E">No</ApplyWorkflowRules>
+    <PublishDate xmlns="230E9DF3-BE65-4C73-A93B-D1236EBD677E" xsi:nil="true"/>
+    <Blog_x0020_Name xmlns="230e9df3-be65-4c73-a93b-d1236ebd677e" xsi:nil="true"/>
+    <ContentID xmlns="230e9df3-be65-4c73-a93b-d1236ebd677e">KC02-23-85794</ContentID>
+    <Coowner xmlns="230e9df3-be65-4c73-a93b-d1236ebd677e">
+      <UserInfo>
+        <DisplayName>i:0#.f|membership|v-adbors@microsoft.com</DisplayName>
+        <AccountId>512</AccountId>
+        <AccountType/>
+      </UserInfo>
+      <UserInfo>
+        <DisplayName>i:0#.f|membership|v-anmarv@microsoft.com</DisplayName>
+        <AccountId>45</AccountId>
+        <AccountType/>
+      </UserInfo>
+      <UserInfo>
+        <DisplayName>i:0#.f|membership|v-danaja@microsoft.com</DisplayName>
+        <AccountId>176</AccountId>
+        <AccountType/>
+      </UserInfo>
+      <UserInfo>
+        <DisplayName>i:0#.f|membership|erehrlic@microsoft.com</DisplayName>
+        <AccountId>585</AccountId>
+        <AccountType/>
+      </UserInfo>
+    </Coowner>
+    <RatingCount xmlns="http://schemas.microsoft.com/sharepoint/v3" xsi:nil="true"/>
+    <ReportOwner xmlns="http://schemas.microsoft.com/sharepoint/v3">
+      <UserInfo>
+        <DisplayName/>
+        <AccountId xsi:nil="true"/>
+        <AccountType/>
+      </UserInfo>
+    </ReportOwner>
+    <b4224c12c78d42ea9b214de0badf8358 xmlns="230e9df3-be65-4c73-a93b-d1236ebd677e">
+      <Terms xmlns="http://schemas.microsoft.com/office/infopath/2007/PartnerControls"/>
+    </b4224c12c78d42ea9b214de0badf8358>
+    <GenericHTML1 xmlns="230e9df3-be65-4c73-a93b-d1236ebd677e" xsi:nil="true"/>
+    <GenericText2 xmlns="230e9df3-be65-4c73-a93b-d1236ebd677e">G01KC-1-5013 KC02-23-83134</GenericText2>
+    <Update_x0020_Parent_x0020_Child_x0020_Relation_x0028_1_x0029_0 xmlns="b3bc04a5-d503-43b1-b98c-a8cf663329d9">
+      <Url xsi:nil="true"/>
+      <Description xsi:nil="true"/>
+    </Update_x0020_Parent_x0020_Child_x0020_Relation_x0028_1_x0029_0>
+    <_ip_UnifiedCompliancePolicyUIAction xmlns="http://schemas.microsoft.com/sharepoint/v3" xsi:nil="true"/>
+    <_ip_UnifiedCompliancePolicyProperties xmlns="http://schemas.microsoft.com/sharepoint/v3" xsi:nil="true"/>
+    <LastSharedByUser xmlns="2478d1b8-79bf-461f-b8e8-704d21601f1a">chgordha@microsoft.com</LastSharedByUser>
+    <LastSharedByTime xmlns="2478d1b8-79bf-461f-b8e8-704d21601f1a">2016-10-05T22:56:15+00:00</LastSharedByTime>
+  </documentManagement>
+</p:properties>
 </file>
 
 <file path=customXml/item4.xml><?xml version="1.0" encoding="utf-8"?>
-<?mso-contentType ?>
-<SharedContentType xmlns="Microsoft.SharePoint.Taxonomy.ContentTypeSync" SourceId="e385fb40-52d4-4fae-9c5b-3e8ff8a5878e" ContentTypeId="0x0101000E4CB7077FEE4FF7AE86D4A500EEC7800300F96E2758736AEF45AFCE0C190C2A9DEC" PreviousValue="false"/>
-</file>
-
-<file path=customXml/item5.xml><?xml version="1.0" encoding="utf-8"?>
 <?mso-contentType ?>
 <spe:Receivers xmlns:spe="http://schemas.microsoft.com/sharepoint/events">
   <Receiver>
@@ -19911,16 +20964,15 @@
 </spe:Receivers>
 </file>
 
+<file path=customXml/item5.xml><?xml version="1.0" encoding="utf-8"?>
+<?mso-contentType ?>
+<SharedContentType xmlns="Microsoft.SharePoint.Taxonomy.ContentTypeSync" SourceId="e385fb40-52d4-4fae-9c5b-3e8ff8a5878e" ContentTypeId="0x0101000E4CB7077FEE4FF7AE86D4A500EEC7800300F96E2758736AEF45AFCE0C190C2A9DEC" PreviousValue="false"/>
+</file>
+
 <file path=customXml/itemProps1.xml><?xml version="1.0" encoding="utf-8"?>
-<ds:datastoreItem xmlns:ds="http://schemas.openxmlformats.org/officeDocument/2006/customXml" ds:itemID="{F990F116-B58F-4255-B05B-DA3808E0E5C6}">
+<ds:datastoreItem xmlns:ds="http://schemas.openxmlformats.org/officeDocument/2006/customXml" ds:itemID="{758FDAC0-319D-4A54-8D8E-1D42CB1F8004}">
   <ds:schemaRefs>
-    <ds:schemaRef ds:uri="http://schemas.microsoft.com/office/2006/metadata/properties"/>
-    <ds:schemaRef ds:uri="http://schemas.microsoft.com/office/infopath/2007/PartnerControls"/>
-    <ds:schemaRef ds:uri="230e9df3-be65-4c73-a93b-d1236ebd677e"/>
-    <ds:schemaRef ds:uri="http://schemas.microsoft.com/sharepoint/v3"/>
-    <ds:schemaRef ds:uri="230E9DF3-BE65-4C73-A93B-D1236EBD677E"/>
-    <ds:schemaRef ds:uri="b3bc04a5-d503-43b1-b98c-a8cf663329d9"/>
-    <ds:schemaRef ds:uri="2478d1b8-79bf-461f-b8e8-704d21601f1a"/>
+    <ds:schemaRef ds:uri="http://schemas.microsoft.com/sharepoint/v3/contenttype/forms"/>
   </ds:schemaRefs>
 </ds:datastoreItem>
 </file>
@@ -19948,25 +21000,31 @@
 </file>
 
 <file path=customXml/itemProps3.xml><?xml version="1.0" encoding="utf-8"?>
-<ds:datastoreItem xmlns:ds="http://schemas.openxmlformats.org/officeDocument/2006/customXml" ds:itemID="{758FDAC0-319D-4A54-8D8E-1D42CB1F8004}">
+<ds:datastoreItem xmlns:ds="http://schemas.openxmlformats.org/officeDocument/2006/customXml" ds:itemID="{F990F116-B58F-4255-B05B-DA3808E0E5C6}">
   <ds:schemaRefs>
-    <ds:schemaRef ds:uri="http://schemas.microsoft.com/sharepoint/v3/contenttype/forms"/>
+    <ds:schemaRef ds:uri="http://schemas.microsoft.com/office/2006/metadata/properties"/>
+    <ds:schemaRef ds:uri="http://schemas.microsoft.com/office/infopath/2007/PartnerControls"/>
+    <ds:schemaRef ds:uri="230e9df3-be65-4c73-a93b-d1236ebd677e"/>
+    <ds:schemaRef ds:uri="http://schemas.microsoft.com/sharepoint/v3"/>
+    <ds:schemaRef ds:uri="230E9DF3-BE65-4C73-A93B-D1236EBD677E"/>
+    <ds:schemaRef ds:uri="b3bc04a5-d503-43b1-b98c-a8cf663329d9"/>
+    <ds:schemaRef ds:uri="2478d1b8-79bf-461f-b8e8-704d21601f1a"/>
   </ds:schemaRefs>
 </ds:datastoreItem>
 </file>
 
 <file path=customXml/itemProps4.xml><?xml version="1.0" encoding="utf-8"?>
+<ds:datastoreItem xmlns:ds="http://schemas.openxmlformats.org/officeDocument/2006/customXml" ds:itemID="{BF9BB987-3932-4E48-B1B8-E9942EB86F79}">
+  <ds:schemaRefs>
+    <ds:schemaRef ds:uri="http://schemas.microsoft.com/sharepoint/events"/>
+  </ds:schemaRefs>
+</ds:datastoreItem>
+</file>
+
+<file path=customXml/itemProps5.xml><?xml version="1.0" encoding="utf-8"?>
 <ds:datastoreItem xmlns:ds="http://schemas.openxmlformats.org/officeDocument/2006/customXml" ds:itemID="{C88A9B8C-44DE-4642-9A7B-BF6126FB9D91}">
   <ds:schemaRefs>
     <ds:schemaRef ds:uri="Microsoft.SharePoint.Taxonomy.ContentTypeSync"/>
   </ds:schemaRefs>
 </ds:datastoreItem>
-</file>
-
-<file path=customXml/itemProps5.xml><?xml version="1.0" encoding="utf-8"?>
-<ds:datastoreItem xmlns:ds="http://schemas.openxmlformats.org/officeDocument/2006/customXml" ds:itemID="{BF9BB987-3932-4E48-B1B8-E9942EB86F79}">
-  <ds:schemaRefs>
-    <ds:schemaRef ds:uri="http://schemas.microsoft.com/sharepoint/events"/>
-  </ds:schemaRefs>
-</ds:datastoreItem>
 </file>